--- a/Housing Trends Prediction.pptx
+++ b/Housing Trends Prediction.pptx
@@ -6,27 +6,27 @@
   </p:sldMasterIdLst>
   <p:sldIdLst>
     <p:sldId id="256" r:id="rId2"/>
-    <p:sldId id="258" r:id="rId3"/>
+    <p:sldId id="263" r:id="rId3"/>
     <p:sldId id="257" r:id="rId4"/>
-    <p:sldId id="259" r:id="rId5"/>
-    <p:sldId id="269" r:id="rId6"/>
-    <p:sldId id="270" r:id="rId7"/>
-    <p:sldId id="271" r:id="rId8"/>
-    <p:sldId id="272" r:id="rId9"/>
-    <p:sldId id="273" r:id="rId10"/>
-    <p:sldId id="279" r:id="rId11"/>
-    <p:sldId id="260" r:id="rId12"/>
-    <p:sldId id="274" r:id="rId13"/>
-    <p:sldId id="275" r:id="rId14"/>
-    <p:sldId id="276" r:id="rId15"/>
-    <p:sldId id="277" r:id="rId16"/>
-    <p:sldId id="278" r:id="rId17"/>
+    <p:sldId id="258" r:id="rId5"/>
+    <p:sldId id="264" r:id="rId6"/>
+    <p:sldId id="265" r:id="rId7"/>
+    <p:sldId id="270" r:id="rId8"/>
+    <p:sldId id="273" r:id="rId9"/>
+    <p:sldId id="267" r:id="rId10"/>
+    <p:sldId id="268" r:id="rId11"/>
+    <p:sldId id="269" r:id="rId12"/>
+    <p:sldId id="266" r:id="rId13"/>
+    <p:sldId id="261" r:id="rId14"/>
+    <p:sldId id="274" r:id="rId15"/>
+    <p:sldId id="278" r:id="rId16"/>
+    <p:sldId id="279" r:id="rId17"/>
     <p:sldId id="262" r:id="rId18"/>
-    <p:sldId id="267" r:id="rId19"/>
-    <p:sldId id="280" r:id="rId20"/>
-    <p:sldId id="266" r:id="rId21"/>
-    <p:sldId id="265" r:id="rId22"/>
-    <p:sldId id="263" r:id="rId23"/>
+    <p:sldId id="275" r:id="rId19"/>
+    <p:sldId id="276" r:id="rId20"/>
+    <p:sldId id="277" r:id="rId21"/>
+    <p:sldId id="271" r:id="rId22"/>
+    <p:sldId id="260" r:id="rId23"/>
   </p:sldIdLst>
   <p:sldSz cx="12192000" cy="6858000"/>
   <p:notesSz cx="6858000" cy="9144000"/>
@@ -322,7 +322,7 @@
             <a:fld id="{B61BEF0D-F0BB-DE4B-95CE-6DB70DBA9567}" type="datetimeFigureOut">
               <a:rPr lang="en-US" dirty="0"/>
               <a:pPr/>
-              <a:t>8/29/2017</a:t>
+              <a:t>12/9/2017</a:t>
             </a:fld>
             <a:endParaRPr lang="en-US" dirty="0"/>
           </a:p>
@@ -657,7 +657,7 @@
             <a:fld id="{B61BEF0D-F0BB-DE4B-95CE-6DB70DBA9567}" type="datetimeFigureOut">
               <a:rPr lang="en-US" dirty="0"/>
               <a:pPr/>
-              <a:t>8/29/2017</a:t>
+              <a:t>12/9/2017</a:t>
             </a:fld>
             <a:endParaRPr lang="en-US" dirty="0"/>
           </a:p>
@@ -1055,7 +1055,7 @@
             <a:fld id="{B61BEF0D-F0BB-DE4B-95CE-6DB70DBA9567}" type="datetimeFigureOut">
               <a:rPr lang="en-US" dirty="0"/>
               <a:pPr/>
-              <a:t>8/29/2017</a:t>
+              <a:t>12/9/2017</a:t>
             </a:fld>
             <a:endParaRPr lang="en-US" dirty="0"/>
           </a:p>
@@ -1250,7 +1250,6 @@
           </a:bodyPr>
           <a:lstStyle/>
           <a:p>
-            <a:pPr lvl="0"/>
             <a:r>
               <a:rPr lang="en-US" sz="8000" baseline="0" dirty="0">
                 <a:ln w="3175" cmpd="sng">
@@ -1388,7 +1387,7 @@
             <a:fld id="{B61BEF0D-F0BB-DE4B-95CE-6DB70DBA9567}" type="datetimeFigureOut">
               <a:rPr lang="en-US" dirty="0"/>
               <a:pPr/>
-              <a:t>8/29/2017</a:t>
+              <a:t>12/9/2017</a:t>
             </a:fld>
             <a:endParaRPr lang="en-US" dirty="0"/>
           </a:p>
@@ -1705,7 +1704,7 @@
             <a:fld id="{B61BEF0D-F0BB-DE4B-95CE-6DB70DBA9567}" type="datetimeFigureOut">
               <a:rPr lang="en-US" dirty="0"/>
               <a:pPr/>
-              <a:t>8/29/2017</a:t>
+              <a:t>12/9/2017</a:t>
             </a:fld>
             <a:endParaRPr lang="en-US" dirty="0"/>
           </a:p>
@@ -2098,7 +2097,7 @@
             <a:fld id="{B61BEF0D-F0BB-DE4B-95CE-6DB70DBA9567}" type="datetimeFigureOut">
               <a:rPr lang="en-US" dirty="0"/>
               <a:pPr/>
-              <a:t>8/29/2017</a:t>
+              <a:t>12/9/2017</a:t>
             </a:fld>
             <a:endParaRPr lang="en-US" dirty="0"/>
           </a:p>
@@ -2352,7 +2351,7 @@
             <a:fld id="{B61BEF0D-F0BB-DE4B-95CE-6DB70DBA9567}" type="datetimeFigureOut">
               <a:rPr lang="en-US" dirty="0"/>
               <a:pPr/>
-              <a:t>8/29/2017</a:t>
+              <a:t>12/9/2017</a:t>
             </a:fld>
             <a:endParaRPr lang="en-US" dirty="0"/>
           </a:p>
@@ -2611,7 +2610,7 @@
             <a:fld id="{B61BEF0D-F0BB-DE4B-95CE-6DB70DBA9567}" type="datetimeFigureOut">
               <a:rPr lang="en-US" dirty="0"/>
               <a:pPr/>
-              <a:t>8/29/2017</a:t>
+              <a:t>12/9/2017</a:t>
             </a:fld>
             <a:endParaRPr lang="en-US" dirty="0"/>
           </a:p>
@@ -2870,7 +2869,7 @@
             <a:fld id="{B61BEF0D-F0BB-DE4B-95CE-6DB70DBA9567}" type="datetimeFigureOut">
               <a:rPr lang="en-US" dirty="0"/>
               <a:pPr/>
-              <a:t>8/29/2017</a:t>
+              <a:t>12/9/2017</a:t>
             </a:fld>
             <a:endParaRPr lang="en-US" dirty="0"/>
           </a:p>
@@ -3196,7 +3195,7 @@
             <a:fld id="{B61BEF0D-F0BB-DE4B-95CE-6DB70DBA9567}" type="datetimeFigureOut">
               <a:rPr lang="en-US" dirty="0"/>
               <a:pPr/>
-              <a:t>8/29/2017</a:t>
+              <a:t>12/9/2017</a:t>
             </a:fld>
             <a:endParaRPr lang="en-US" dirty="0"/>
           </a:p>
@@ -3516,7 +3515,7 @@
             <a:fld id="{B61BEF0D-F0BB-DE4B-95CE-6DB70DBA9567}" type="datetimeFigureOut">
               <a:rPr lang="en-US" dirty="0"/>
               <a:pPr/>
-              <a:t>8/29/2017</a:t>
+              <a:t>12/9/2017</a:t>
             </a:fld>
             <a:endParaRPr lang="en-US" dirty="0"/>
           </a:p>
@@ -3679,7 +3678,7 @@
       </p:grpSpPr>
       <p:sp>
         <p:nvSpPr>
-          <p:cNvPr id="10" name="Title 9"/>
+          <p:cNvPr id="10" name="Title 13"/>
           <p:cNvSpPr>
             <a:spLocks noGrp="1"/>
           </p:cNvSpPr>
@@ -3970,7 +3969,7 @@
             <a:fld id="{B61BEF0D-F0BB-DE4B-95CE-6DB70DBA9567}" type="datetimeFigureOut">
               <a:rPr lang="en-US" dirty="0"/>
               <a:pPr/>
-              <a:t>8/29/2017</a:t>
+              <a:t>12/9/2017</a:t>
             </a:fld>
             <a:endParaRPr lang="en-US" dirty="0"/>
           </a:p>
@@ -4172,7 +4171,7 @@
             <a:fld id="{B61BEF0D-F0BB-DE4B-95CE-6DB70DBA9567}" type="datetimeFigureOut">
               <a:rPr lang="en-US" dirty="0"/>
               <a:pPr/>
-              <a:t>8/29/2017</a:t>
+              <a:t>12/9/2017</a:t>
             </a:fld>
             <a:endParaRPr lang="en-US" dirty="0"/>
           </a:p>
@@ -4346,7 +4345,7 @@
             <a:fld id="{B61BEF0D-F0BB-DE4B-95CE-6DB70DBA9567}" type="datetimeFigureOut">
               <a:rPr lang="en-US" dirty="0"/>
               <a:pPr/>
-              <a:t>8/29/2017</a:t>
+              <a:t>12/9/2017</a:t>
             </a:fld>
             <a:endParaRPr lang="en-US" dirty="0"/>
           </a:p>
@@ -4676,7 +4675,7 @@
             <a:fld id="{B61BEF0D-F0BB-DE4B-95CE-6DB70DBA9567}" type="datetimeFigureOut">
               <a:rPr lang="en-US" dirty="0"/>
               <a:pPr/>
-              <a:t>8/29/2017</a:t>
+              <a:t>12/9/2017</a:t>
             </a:fld>
             <a:endParaRPr lang="en-US" dirty="0"/>
           </a:p>
@@ -5018,7 +5017,7 @@
             <a:fld id="{B61BEF0D-F0BB-DE4B-95CE-6DB70DBA9567}" type="datetimeFigureOut">
               <a:rPr lang="en-US" dirty="0"/>
               <a:pPr/>
-              <a:t>8/29/2017</a:t>
+              <a:t>12/9/2017</a:t>
             </a:fld>
             <a:endParaRPr lang="en-US" dirty="0"/>
           </a:p>
@@ -6064,10 +6063,10 @@
         </p:nvGrpSpPr>
         <p:grpSpPr>
           <a:xfrm>
-            <a:off x="27221" y="-786"/>
-            <a:ext cx="2356674" cy="6854039"/>
-            <a:chOff x="6627813" y="194833"/>
-            <a:chExt cx="1952625" cy="5678918"/>
+            <a:off x="27221" y="-32"/>
+            <a:ext cx="2356674" cy="6853285"/>
+            <a:chOff x="6627813" y="195454"/>
+            <a:chExt cx="1952625" cy="5678297"/>
           </a:xfrm>
         </p:grpSpPr>
         <p:sp>
@@ -6078,7 +6077,7 @@
           </p:nvSpPr>
           <p:spPr bwMode="auto">
             <a:xfrm>
-              <a:off x="6627813" y="194833"/>
+              <a:off x="6627813" y="195454"/>
               <a:ext cx="409575" cy="3646488"/>
             </a:xfrm>
             <a:custGeom>
@@ -7132,7 +7131,7 @@
             <a:fld id="{B61BEF0D-F0BB-DE4B-95CE-6DB70DBA9567}" type="datetimeFigureOut">
               <a:rPr lang="en-US" dirty="0"/>
               <a:pPr/>
-              <a:t>8/29/2017</a:t>
+              <a:t>12/9/2017</a:t>
             </a:fld>
             <a:endParaRPr lang="en-US" dirty="0"/>
           </a:p>
@@ -7185,7 +7184,7 @@
             <p:ph type="sldNum" sz="quarter" idx="4"/>
           </p:nvPr>
         </p:nvSpPr>
-        <p:spPr bwMode="gray">
+        <p:spPr>
           <a:xfrm>
             <a:off x="531812" y="787782"/>
             <a:ext cx="779767" cy="365125"/>
@@ -7669,10 +7668,46 @@
           </a:p>
         </p:txBody>
       </p:sp>
+      <p:sp>
+        <p:nvSpPr>
+          <p:cNvPr id="3" name="TextBox 2"/>
+          <p:cNvSpPr txBox="1"/>
+          <p:nvPr/>
+        </p:nvSpPr>
+        <p:spPr>
+          <a:xfrm>
+            <a:off x="8610600" y="5427133"/>
+            <a:ext cx="3378200" cy="646331"/>
+          </a:xfrm>
+          <a:prstGeom prst="rect">
+            <a:avLst/>
+          </a:prstGeom>
+          <a:noFill/>
+        </p:spPr>
+        <p:txBody>
+          <a:bodyPr wrap="square" rtlCol="0">
+            <a:spAutoFit/>
+          </a:bodyPr>
+          <a:lstStyle/>
+          <a:p>
+            <a:r>
+              <a:rPr lang="en-US" dirty="0" smtClean="0"/>
+              <a:t>Saad Azhar</a:t>
+            </a:r>
+          </a:p>
+          <a:p>
+            <a:r>
+              <a:rPr lang="en-US" dirty="0" smtClean="0"/>
+              <a:t>Pranav Makhijani</a:t>
+            </a:r>
+            <a:endParaRPr lang="en-US" dirty="0"/>
+          </a:p>
+        </p:txBody>
+      </p:sp>
     </p:spTree>
     <p:extLst>
       <p:ext uri="{BB962C8B-B14F-4D97-AF65-F5344CB8AC3E}">
-        <p14:creationId xmlns:p14="http://schemas.microsoft.com/office/powerpoint/2010/main" val="7031368"/>
+        <p14:creationId xmlns:p14="http://schemas.microsoft.com/office/powerpoint/2010/main" val="2045318961"/>
       </p:ext>
     </p:extLst>
   </p:cSld>
@@ -7716,58 +7751,67 @@
             <p:ph type="title"/>
           </p:nvPr>
         </p:nvSpPr>
-        <p:spPr/>
+        <p:spPr>
+          <a:xfrm>
+            <a:off x="2592925" y="624110"/>
+            <a:ext cx="8911687" cy="790804"/>
+          </a:xfrm>
+        </p:spPr>
         <p:txBody>
           <a:bodyPr/>
           <a:lstStyle/>
           <a:p>
             <a:r>
               <a:rPr lang="en-US" dirty="0" smtClean="0"/>
-              <a:t>Model Algorithms</a:t>
-            </a:r>
-            <a:endParaRPr lang="en-US" dirty="0"/>
-          </a:p>
-        </p:txBody>
-      </p:sp>
-      <p:sp>
-        <p:nvSpPr>
-          <p:cNvPr id="3" name="Content Placeholder 2"/>
-          <p:cNvSpPr>
-            <a:spLocks noGrp="1"/>
-          </p:cNvSpPr>
+              <a:t>Rent Estimate Plot</a:t>
+            </a:r>
+            <a:endParaRPr lang="en-US" dirty="0"/>
+          </a:p>
+        </p:txBody>
+      </p:sp>
+      <p:pic>
+        <p:nvPicPr>
+          <p:cNvPr id="4" name="Content Placeholder 3"/>
+          <p:cNvPicPr>
+            <a:picLocks noGrp="1" noChangeAspect="1"/>
+          </p:cNvPicPr>
           <p:nvPr>
             <p:ph idx="1"/>
           </p:nvPr>
-        </p:nvSpPr>
-        <p:spPr/>
-        <p:txBody>
-          <a:bodyPr/>
-          <a:lstStyle/>
-          <a:p>
-            <a:r>
-              <a:rPr lang="en-US" dirty="0" smtClean="0"/>
-              <a:t>Multiple Regression</a:t>
-            </a:r>
-          </a:p>
-          <a:p>
-            <a:r>
-              <a:rPr lang="en-US" dirty="0" smtClean="0"/>
-              <a:t>Backward Multiple Regression</a:t>
-            </a:r>
-            <a:endParaRPr lang="en-US" dirty="0"/>
-          </a:p>
-        </p:txBody>
-      </p:sp>
+        </p:nvPicPr>
+        <p:blipFill>
+          <a:blip r:embed="rId2"/>
+          <a:stretch>
+            <a:fillRect/>
+          </a:stretch>
+        </p:blipFill>
+        <p:spPr>
+          <a:xfrm>
+            <a:off x="2592925" y="1684421"/>
+            <a:ext cx="8129618" cy="3971841"/>
+          </a:xfrm>
+          <a:prstGeom prst="rect">
+            <a:avLst/>
+          </a:prstGeom>
+        </p:spPr>
+      </p:pic>
     </p:spTree>
     <p:extLst>
       <p:ext uri="{BB962C8B-B14F-4D97-AF65-F5344CB8AC3E}">
-        <p14:creationId xmlns:p14="http://schemas.microsoft.com/office/powerpoint/2010/main" val="2659742134"/>
+        <p14:creationId xmlns:p14="http://schemas.microsoft.com/office/powerpoint/2010/main" val="3869183168"/>
       </p:ext>
     </p:extLst>
   </p:cSld>
   <p:clrMapOvr>
     <a:masterClrMapping/>
   </p:clrMapOvr>
+  <p:timing>
+    <p:tnLst>
+      <p:par>
+        <p:cTn id="1" dur="indefinite" restart="never" nodeType="tmRoot"/>
+      </p:par>
+    </p:tnLst>
+  </p:timing>
 </p:sld>
 </file>
 
@@ -7801,7 +7845,7 @@
         <p:spPr>
           <a:xfrm>
             <a:off x="2592925" y="624110"/>
-            <a:ext cx="8911687" cy="1012666"/>
+            <a:ext cx="8911687" cy="973684"/>
           </a:xfrm>
         </p:spPr>
         <p:txBody>
@@ -7810,7 +7854,7 @@
           <a:p>
             <a:r>
               <a:rPr lang="en-US" dirty="0" smtClean="0"/>
-              <a:t>Multiple Regression Results For Houses</a:t>
+              <a:t>Feature Engineering to Impute Values</a:t>
             </a:r>
             <a:endParaRPr lang="en-US" dirty="0"/>
           </a:p>
@@ -7818,9 +7862,9 @@
       </p:sp>
       <p:pic>
         <p:nvPicPr>
-          <p:cNvPr id="8" name="Content Placeholder 7"/>
+          <p:cNvPr id="4" name="Content Placeholder 3"/>
           <p:cNvPicPr>
-            <a:picLocks noGrp="1"/>
+            <a:picLocks noGrp="1" noChangeAspect="1"/>
           </p:cNvPicPr>
           <p:nvPr>
             <p:ph idx="1"/>
@@ -7834,30 +7878,8 @@
         </p:blipFill>
         <p:spPr>
           <a:xfrm>
-            <a:off x="2592925" y="1415117"/>
-            <a:ext cx="8763000" cy="3314700"/>
-          </a:xfrm>
-          <a:prstGeom prst="rect">
-            <a:avLst/>
-          </a:prstGeom>
-        </p:spPr>
-      </p:pic>
-      <p:pic>
-        <p:nvPicPr>
-          <p:cNvPr id="9" name="Picture 8"/>
-          <p:cNvPicPr/>
-          <p:nvPr/>
-        </p:nvPicPr>
-        <p:blipFill>
-          <a:blip r:embed="rId3"/>
-          <a:stretch>
-            <a:fillRect/>
-          </a:stretch>
-        </p:blipFill>
-        <p:spPr>
-          <a:xfrm>
-            <a:off x="2592925" y="4957762"/>
-            <a:ext cx="8763000" cy="1290638"/>
+            <a:off x="2592924" y="1944303"/>
+            <a:ext cx="8911687" cy="4032985"/>
           </a:xfrm>
           <a:prstGeom prst="rect">
             <a:avLst/>
@@ -7867,7 +7889,7 @@
     </p:spTree>
     <p:extLst>
       <p:ext uri="{BB962C8B-B14F-4D97-AF65-F5344CB8AC3E}">
-        <p14:creationId xmlns:p14="http://schemas.microsoft.com/office/powerpoint/2010/main" val="1297427780"/>
+        <p14:creationId xmlns:p14="http://schemas.microsoft.com/office/powerpoint/2010/main" val="1990634989"/>
       </p:ext>
     </p:extLst>
   </p:cSld>
@@ -7914,28 +7936,26 @@
         <p:spPr>
           <a:xfrm>
             <a:off x="2592925" y="624110"/>
-            <a:ext cx="8911687" cy="720596"/>
-          </a:xfrm>
-        </p:spPr>
-        <p:txBody>
-          <a:bodyPr>
-            <a:normAutofit/>
-          </a:bodyPr>
-          <a:lstStyle/>
-          <a:p>
-            <a:r>
-              <a:rPr lang="en-US" sz="3200" dirty="0" smtClean="0"/>
-              <a:t>Backward Regression Results For Houses</a:t>
-            </a:r>
-            <a:endParaRPr lang="en-US" sz="3200" dirty="0"/>
+            <a:ext cx="8911687" cy="684926"/>
+          </a:xfrm>
+        </p:spPr>
+        <p:txBody>
+          <a:bodyPr/>
+          <a:lstStyle/>
+          <a:p>
+            <a:r>
+              <a:rPr lang="en-US" dirty="0" smtClean="0"/>
+              <a:t>Co-relation Heat Map</a:t>
+            </a:r>
+            <a:endParaRPr lang="en-US" dirty="0"/>
           </a:p>
         </p:txBody>
       </p:sp>
       <p:pic>
         <p:nvPicPr>
-          <p:cNvPr id="14" name="Content Placeholder 13"/>
+          <p:cNvPr id="4" name="Content Placeholder 3"/>
           <p:cNvPicPr>
-            <a:picLocks noGrp="1"/>
+            <a:picLocks noGrp="1" noChangeAspect="1"/>
           </p:cNvPicPr>
           <p:nvPr>
             <p:ph idx="1"/>
@@ -7949,30 +7969,8 @@
         </p:blipFill>
         <p:spPr>
           <a:xfrm>
-            <a:off x="2592924" y="1344705"/>
-            <a:ext cx="8048625" cy="2805953"/>
-          </a:xfrm>
-          <a:prstGeom prst="rect">
-            <a:avLst/>
-          </a:prstGeom>
-        </p:spPr>
-      </p:pic>
-      <p:pic>
-        <p:nvPicPr>
-          <p:cNvPr id="15" name="Picture 14"/>
-          <p:cNvPicPr/>
-          <p:nvPr/>
-        </p:nvPicPr>
-        <p:blipFill>
-          <a:blip r:embed="rId3"/>
-          <a:stretch>
-            <a:fillRect/>
-          </a:stretch>
-        </p:blipFill>
-        <p:spPr>
-          <a:xfrm>
-            <a:off x="2592923" y="4467169"/>
-            <a:ext cx="8048625" cy="1234384"/>
+            <a:off x="2733574" y="1434164"/>
+            <a:ext cx="8771037" cy="5226518"/>
           </a:xfrm>
           <a:prstGeom prst="rect">
             <a:avLst/>
@@ -7982,13 +7980,20 @@
     </p:spTree>
     <p:extLst>
       <p:ext uri="{BB962C8B-B14F-4D97-AF65-F5344CB8AC3E}">
-        <p14:creationId xmlns:p14="http://schemas.microsoft.com/office/powerpoint/2010/main" val="2916693672"/>
+        <p14:creationId xmlns:p14="http://schemas.microsoft.com/office/powerpoint/2010/main" val="2971852655"/>
       </p:ext>
     </p:extLst>
   </p:cSld>
   <p:clrMapOvr>
     <a:masterClrMapping/>
   </p:clrMapOvr>
+  <p:timing>
+    <p:tnLst>
+      <p:par>
+        <p:cTn id="1" dur="indefinite" restart="never" nodeType="tmRoot"/>
+      </p:par>
+    </p:tnLst>
+  </p:timing>
 </p:sld>
 </file>
 
@@ -8021,32 +8026,24 @@
         </p:nvSpPr>
         <p:spPr/>
         <p:txBody>
-          <a:bodyPr>
-            <a:normAutofit/>
-          </a:bodyPr>
-          <a:lstStyle/>
-          <a:p>
-            <a:r>
-              <a:rPr lang="en-US" sz="3200" dirty="0"/>
-              <a:t>Multiple Regression Results For </a:t>
-            </a:r>
-            <a:r>
-              <a:rPr lang="en-US" sz="3200" dirty="0" smtClean="0"/>
-              <a:t>Townhouses</a:t>
-            </a:r>
-            <a:endParaRPr lang="en-US" sz="3200" dirty="0"/>
+          <a:bodyPr/>
+          <a:lstStyle/>
+          <a:p>
+            <a:r>
+              <a:rPr lang="en-US" dirty="0" smtClean="0"/>
+              <a:t>Feature Selection using Random Forest</a:t>
+            </a:r>
+            <a:endParaRPr lang="en-US" dirty="0"/>
           </a:p>
         </p:txBody>
       </p:sp>
       <p:pic>
         <p:nvPicPr>
-          <p:cNvPr id="4" name="Content Placeholder 3"/>
+          <p:cNvPr id="3" name="Picture 2"/>
           <p:cNvPicPr>
-            <a:picLocks noGrp="1"/>
+            <a:picLocks noChangeAspect="1"/>
           </p:cNvPicPr>
-          <p:nvPr>
-            <p:ph idx="1"/>
-          </p:nvPr>
+          <p:nvPr/>
         </p:nvPicPr>
         <p:blipFill>
           <a:blip r:embed="rId2"/>
@@ -8056,8 +8053,8 @@
         </p:blipFill>
         <p:spPr>
           <a:xfrm>
-            <a:off x="2608263" y="1416424"/>
-            <a:ext cx="8427290" cy="3370729"/>
+            <a:off x="391592" y="1743603"/>
+            <a:ext cx="5602808" cy="3678479"/>
           </a:xfrm>
           <a:prstGeom prst="rect">
             <a:avLst/>
@@ -8067,7 +8064,9 @@
       <p:pic>
         <p:nvPicPr>
           <p:cNvPr id="5" name="Picture 4"/>
-          <p:cNvPicPr/>
+          <p:cNvPicPr>
+            <a:picLocks noChangeAspect="1"/>
+          </p:cNvPicPr>
           <p:nvPr/>
         </p:nvPicPr>
         <p:blipFill>
@@ -8078,24 +8077,95 @@
         </p:blipFill>
         <p:spPr>
           <a:xfrm>
-            <a:off x="2608263" y="4997749"/>
-            <a:ext cx="8427290" cy="1107216"/>
+            <a:off x="6648977" y="1841051"/>
+            <a:ext cx="5454383" cy="3581031"/>
           </a:xfrm>
           <a:prstGeom prst="rect">
             <a:avLst/>
           </a:prstGeom>
         </p:spPr>
       </p:pic>
+      <p:sp>
+        <p:nvSpPr>
+          <p:cNvPr id="6" name="TextBox 5"/>
+          <p:cNvSpPr txBox="1"/>
+          <p:nvPr/>
+        </p:nvSpPr>
+        <p:spPr>
+          <a:xfrm>
+            <a:off x="2185463" y="5613400"/>
+            <a:ext cx="2015066" cy="369332"/>
+          </a:xfrm>
+          <a:prstGeom prst="rect">
+            <a:avLst/>
+          </a:prstGeom>
+          <a:noFill/>
+        </p:spPr>
+        <p:txBody>
+          <a:bodyPr wrap="square" rtlCol="0">
+            <a:spAutoFit/>
+          </a:bodyPr>
+          <a:lstStyle/>
+          <a:p>
+            <a:r>
+              <a:rPr lang="en-US" dirty="0" err="1" smtClean="0"/>
+              <a:t>Saad’s</a:t>
+            </a:r>
+            <a:r>
+              <a:rPr lang="en-US" dirty="0" smtClean="0"/>
+              <a:t> dataset</a:t>
+            </a:r>
+            <a:endParaRPr lang="en-US" dirty="0"/>
+          </a:p>
+        </p:txBody>
+      </p:sp>
+      <p:sp>
+        <p:nvSpPr>
+          <p:cNvPr id="7" name="TextBox 6"/>
+          <p:cNvSpPr txBox="1"/>
+          <p:nvPr/>
+        </p:nvSpPr>
+        <p:spPr>
+          <a:xfrm>
+            <a:off x="9026529" y="5520267"/>
+            <a:ext cx="2335737" cy="369332"/>
+          </a:xfrm>
+          <a:prstGeom prst="rect">
+            <a:avLst/>
+          </a:prstGeom>
+          <a:noFill/>
+        </p:spPr>
+        <p:txBody>
+          <a:bodyPr wrap="square" rtlCol="0">
+            <a:spAutoFit/>
+          </a:bodyPr>
+          <a:lstStyle/>
+          <a:p>
+            <a:r>
+              <a:rPr lang="en-US" dirty="0" smtClean="0"/>
+              <a:t>Pranav’s dataset</a:t>
+            </a:r>
+            <a:endParaRPr lang="en-US" dirty="0"/>
+          </a:p>
+        </p:txBody>
+      </p:sp>
     </p:spTree>
     <p:extLst>
       <p:ext uri="{BB962C8B-B14F-4D97-AF65-F5344CB8AC3E}">
-        <p14:creationId xmlns:p14="http://schemas.microsoft.com/office/powerpoint/2010/main" val="462907655"/>
+        <p14:creationId xmlns:p14="http://schemas.microsoft.com/office/powerpoint/2010/main" val="2616751448"/>
       </p:ext>
     </p:extLst>
   </p:cSld>
   <p:clrMapOvr>
     <a:masterClrMapping/>
   </p:clrMapOvr>
+  <p:timing>
+    <p:tnLst>
+      <p:par>
+        <p:cTn id="1" dur="indefinite" restart="never" nodeType="tmRoot"/>
+      </p:par>
+    </p:tnLst>
+  </p:timing>
 </p:sld>
 </file>
 
@@ -8128,31 +8198,54 @@
         </p:nvSpPr>
         <p:spPr/>
         <p:txBody>
-          <a:bodyPr>
-            <a:normAutofit/>
-          </a:bodyPr>
-          <a:lstStyle/>
-          <a:p>
-            <a:r>
-              <a:rPr lang="en-US" sz="3000" dirty="0" smtClean="0"/>
-              <a:t>Backward </a:t>
-            </a:r>
-            <a:r>
-              <a:rPr lang="en-US" sz="3000" dirty="0"/>
-              <a:t>Regression Results For </a:t>
-            </a:r>
-            <a:r>
-              <a:rPr lang="en-US" sz="3000" dirty="0" smtClean="0"/>
-              <a:t>Townhouses</a:t>
-            </a:r>
-            <a:endParaRPr lang="en-US" sz="3000" dirty="0"/>
+          <a:bodyPr/>
+          <a:lstStyle/>
+          <a:p>
+            <a:r>
+              <a:rPr lang="en-US" dirty="0" smtClean="0"/>
+              <a:t>Support Vector Machines - Regression</a:t>
+            </a:r>
+            <a:endParaRPr lang="en-US" dirty="0"/>
+          </a:p>
+        </p:txBody>
+      </p:sp>
+      <p:sp>
+        <p:nvSpPr>
+          <p:cNvPr id="3" name="Content Placeholder 2"/>
+          <p:cNvSpPr>
+            <a:spLocks noGrp="1"/>
+          </p:cNvSpPr>
+          <p:nvPr>
+            <p:ph idx="1"/>
+          </p:nvPr>
+        </p:nvSpPr>
+        <p:spPr/>
+        <p:txBody>
+          <a:bodyPr/>
+          <a:lstStyle/>
+          <a:p>
+            <a:r>
+              <a:rPr lang="en-US" dirty="0" smtClean="0"/>
+              <a:t>Kernels used: Linear, Polynomial, RBF</a:t>
+            </a:r>
+          </a:p>
+          <a:p>
+            <a:r>
+              <a:rPr lang="en-US" dirty="0" smtClean="0"/>
+              <a:t>C: 0.1, 1, 100, 500, 1000</a:t>
+            </a:r>
+          </a:p>
+          <a:p>
+            <a:endParaRPr lang="en-US" dirty="0" smtClean="0"/>
           </a:p>
         </p:txBody>
       </p:sp>
       <p:pic>
         <p:nvPicPr>
-          <p:cNvPr id="7" name="Picture 6"/>
-          <p:cNvPicPr/>
+          <p:cNvPr id="4" name="Picture 3"/>
+          <p:cNvPicPr>
+            <a:picLocks noChangeAspect="1"/>
+          </p:cNvPicPr>
           <p:nvPr/>
         </p:nvPicPr>
         <p:blipFill>
@@ -8163,8 +8256,8 @@
         </p:blipFill>
         <p:spPr>
           <a:xfrm>
-            <a:off x="2592924" y="4720500"/>
-            <a:ext cx="7820025" cy="1124488"/>
+            <a:off x="2589212" y="3278716"/>
+            <a:ext cx="5400675" cy="3009900"/>
           </a:xfrm>
           <a:prstGeom prst="rect">
             <a:avLst/>
@@ -8173,13 +8266,11 @@
       </p:pic>
       <p:pic>
         <p:nvPicPr>
-          <p:cNvPr id="8" name="Content Placeholder 7"/>
+          <p:cNvPr id="5" name="Picture 4"/>
           <p:cNvPicPr>
-            <a:picLocks noGrp="1"/>
+            <a:picLocks noChangeAspect="1"/>
           </p:cNvPicPr>
-          <p:nvPr>
-            <p:ph idx="1"/>
-          </p:nvPr>
+          <p:nvPr/>
         </p:nvPicPr>
         <p:blipFill>
           <a:blip r:embed="rId3"/>
@@ -8189,24 +8280,320 @@
         </p:blipFill>
         <p:spPr>
           <a:xfrm>
-            <a:off x="2592925" y="1264554"/>
-            <a:ext cx="7820025" cy="3155045"/>
+            <a:off x="8418356" y="2825593"/>
+            <a:ext cx="3200400" cy="1333500"/>
           </a:xfrm>
           <a:prstGeom prst="rect">
             <a:avLst/>
           </a:prstGeom>
         </p:spPr>
       </p:pic>
+      <p:sp>
+        <p:nvSpPr>
+          <p:cNvPr id="6" name="TextBox 5"/>
+          <p:cNvSpPr txBox="1"/>
+          <p:nvPr/>
+        </p:nvSpPr>
+        <p:spPr>
+          <a:xfrm>
+            <a:off x="8318925" y="2212104"/>
+            <a:ext cx="3422503" cy="369332"/>
+          </a:xfrm>
+          <a:prstGeom prst="rect">
+            <a:avLst/>
+          </a:prstGeom>
+          <a:noFill/>
+        </p:spPr>
+        <p:txBody>
+          <a:bodyPr wrap="square" rtlCol="0">
+            <a:spAutoFit/>
+          </a:bodyPr>
+          <a:lstStyle/>
+          <a:p>
+            <a:r>
+              <a:rPr lang="en-US" dirty="0" smtClean="0"/>
+              <a:t>Model Comparison - Pranav</a:t>
+            </a:r>
+            <a:endParaRPr lang="en-US" dirty="0"/>
+          </a:p>
+        </p:txBody>
+      </p:sp>
+      <p:pic>
+        <p:nvPicPr>
+          <p:cNvPr id="7" name="Picture 6"/>
+          <p:cNvPicPr>
+            <a:picLocks noChangeAspect="1"/>
+          </p:cNvPicPr>
+          <p:nvPr/>
+        </p:nvPicPr>
+        <p:blipFill>
+          <a:blip r:embed="rId4"/>
+          <a:stretch>
+            <a:fillRect/>
+          </a:stretch>
+        </p:blipFill>
+        <p:spPr>
+          <a:xfrm>
+            <a:off x="8418356" y="4918819"/>
+            <a:ext cx="3724275" cy="1181100"/>
+          </a:xfrm>
+          <a:prstGeom prst="rect">
+            <a:avLst/>
+          </a:prstGeom>
+        </p:spPr>
+      </p:pic>
+      <p:sp>
+        <p:nvSpPr>
+          <p:cNvPr id="8" name="TextBox 7"/>
+          <p:cNvSpPr txBox="1"/>
+          <p:nvPr/>
+        </p:nvSpPr>
+        <p:spPr>
+          <a:xfrm>
+            <a:off x="8401118" y="4444327"/>
+            <a:ext cx="3422503" cy="369332"/>
+          </a:xfrm>
+          <a:prstGeom prst="rect">
+            <a:avLst/>
+          </a:prstGeom>
+          <a:noFill/>
+        </p:spPr>
+        <p:txBody>
+          <a:bodyPr wrap="square" rtlCol="0">
+            <a:spAutoFit/>
+          </a:bodyPr>
+          <a:lstStyle/>
+          <a:p>
+            <a:r>
+              <a:rPr lang="en-US" dirty="0" smtClean="0"/>
+              <a:t>Model Comparison - Saad</a:t>
+            </a:r>
+            <a:endParaRPr lang="en-US" dirty="0"/>
+          </a:p>
+        </p:txBody>
+      </p:sp>
+      <p:sp>
+        <p:nvSpPr>
+          <p:cNvPr id="11" name="Rounded Rectangle 10"/>
+          <p:cNvSpPr/>
+          <p:nvPr/>
+        </p:nvSpPr>
+        <p:spPr>
+          <a:xfrm>
+            <a:off x="8318925" y="3699933"/>
+            <a:ext cx="1383875" cy="169334"/>
+          </a:xfrm>
+          <a:prstGeom prst="roundRect">
+            <a:avLst/>
+          </a:prstGeom>
+          <a:noFill/>
+        </p:spPr>
+        <p:style>
+          <a:lnRef idx="2">
+            <a:schemeClr val="accent1">
+              <a:shade val="50000"/>
+            </a:schemeClr>
+          </a:lnRef>
+          <a:fillRef idx="1">
+            <a:schemeClr val="accent1"/>
+          </a:fillRef>
+          <a:effectRef idx="0">
+            <a:schemeClr val="accent1"/>
+          </a:effectRef>
+          <a:fontRef idx="minor">
+            <a:schemeClr val="lt1"/>
+          </a:fontRef>
+        </p:style>
+        <p:txBody>
+          <a:bodyPr rtlCol="0" anchor="ctr"/>
+          <a:lstStyle/>
+          <a:p>
+            <a:pPr algn="ctr"/>
+            <a:endParaRPr lang="en-US"/>
+          </a:p>
+        </p:txBody>
+      </p:sp>
+      <p:sp>
+        <p:nvSpPr>
+          <p:cNvPr id="12" name="Rounded Rectangle 11"/>
+          <p:cNvSpPr/>
+          <p:nvPr/>
+        </p:nvSpPr>
+        <p:spPr>
+          <a:xfrm>
+            <a:off x="9135533" y="3149600"/>
+            <a:ext cx="2286000" cy="203200"/>
+          </a:xfrm>
+          <a:prstGeom prst="roundRect">
+            <a:avLst/>
+          </a:prstGeom>
+          <a:noFill/>
+        </p:spPr>
+        <p:style>
+          <a:lnRef idx="2">
+            <a:schemeClr val="accent1">
+              <a:shade val="50000"/>
+            </a:schemeClr>
+          </a:lnRef>
+          <a:fillRef idx="1">
+            <a:schemeClr val="accent1"/>
+          </a:fillRef>
+          <a:effectRef idx="0">
+            <a:schemeClr val="accent1"/>
+          </a:effectRef>
+          <a:fontRef idx="minor">
+            <a:schemeClr val="lt1"/>
+          </a:fontRef>
+        </p:style>
+        <p:txBody>
+          <a:bodyPr rtlCol="0" anchor="ctr"/>
+          <a:lstStyle/>
+          <a:p>
+            <a:pPr algn="ctr"/>
+            <a:endParaRPr lang="en-US"/>
+          </a:p>
+        </p:txBody>
+      </p:sp>
+      <p:sp>
+        <p:nvSpPr>
+          <p:cNvPr id="13" name="Rounded Rectangle 12"/>
+          <p:cNvSpPr/>
+          <p:nvPr/>
+        </p:nvSpPr>
+        <p:spPr>
+          <a:xfrm>
+            <a:off x="8401118" y="5664200"/>
+            <a:ext cx="1301682" cy="186267"/>
+          </a:xfrm>
+          <a:prstGeom prst="roundRect">
+            <a:avLst/>
+          </a:prstGeom>
+          <a:noFill/>
+        </p:spPr>
+        <p:style>
+          <a:lnRef idx="2">
+            <a:schemeClr val="accent1">
+              <a:shade val="50000"/>
+            </a:schemeClr>
+          </a:lnRef>
+          <a:fillRef idx="1">
+            <a:schemeClr val="accent1"/>
+          </a:fillRef>
+          <a:effectRef idx="0">
+            <a:schemeClr val="accent1"/>
+          </a:effectRef>
+          <a:fontRef idx="minor">
+            <a:schemeClr val="lt1"/>
+          </a:fontRef>
+        </p:style>
+        <p:txBody>
+          <a:bodyPr rtlCol="0" anchor="ctr"/>
+          <a:lstStyle/>
+          <a:p>
+            <a:pPr algn="ctr"/>
+            <a:endParaRPr lang="en-US"/>
+          </a:p>
+        </p:txBody>
+      </p:sp>
+      <p:sp>
+        <p:nvSpPr>
+          <p:cNvPr id="14" name="Rounded Rectangle 13"/>
+          <p:cNvSpPr/>
+          <p:nvPr/>
+        </p:nvSpPr>
+        <p:spPr>
+          <a:xfrm>
+            <a:off x="9135533" y="5130800"/>
+            <a:ext cx="2286000" cy="169333"/>
+          </a:xfrm>
+          <a:prstGeom prst="roundRect">
+            <a:avLst/>
+          </a:prstGeom>
+          <a:noFill/>
+        </p:spPr>
+        <p:style>
+          <a:lnRef idx="2">
+            <a:schemeClr val="accent1">
+              <a:shade val="50000"/>
+            </a:schemeClr>
+          </a:lnRef>
+          <a:fillRef idx="1">
+            <a:schemeClr val="accent1"/>
+          </a:fillRef>
+          <a:effectRef idx="0">
+            <a:schemeClr val="accent1"/>
+          </a:effectRef>
+          <a:fontRef idx="minor">
+            <a:schemeClr val="lt1"/>
+          </a:fontRef>
+        </p:style>
+        <p:txBody>
+          <a:bodyPr rtlCol="0" anchor="ctr"/>
+          <a:lstStyle/>
+          <a:p>
+            <a:pPr algn="ctr"/>
+            <a:endParaRPr lang="en-US"/>
+          </a:p>
+        </p:txBody>
+      </p:sp>
+      <p:sp>
+        <p:nvSpPr>
+          <p:cNvPr id="15" name="Rounded Rectangle 14"/>
+          <p:cNvSpPr/>
+          <p:nvPr/>
+        </p:nvSpPr>
+        <p:spPr>
+          <a:xfrm>
+            <a:off x="2589212" y="4307081"/>
+            <a:ext cx="4869921" cy="550983"/>
+          </a:xfrm>
+          <a:prstGeom prst="roundRect">
+            <a:avLst/>
+          </a:prstGeom>
+          <a:noFill/>
+        </p:spPr>
+        <p:style>
+          <a:lnRef idx="2">
+            <a:schemeClr val="accent1">
+              <a:shade val="50000"/>
+            </a:schemeClr>
+          </a:lnRef>
+          <a:fillRef idx="1">
+            <a:schemeClr val="accent1"/>
+          </a:fillRef>
+          <a:effectRef idx="0">
+            <a:schemeClr val="accent1"/>
+          </a:effectRef>
+          <a:fontRef idx="minor">
+            <a:schemeClr val="lt1"/>
+          </a:fontRef>
+        </p:style>
+        <p:txBody>
+          <a:bodyPr rtlCol="0" anchor="ctr"/>
+          <a:lstStyle/>
+          <a:p>
+            <a:pPr algn="ctr"/>
+            <a:endParaRPr lang="en-US"/>
+          </a:p>
+        </p:txBody>
+      </p:sp>
     </p:spTree>
     <p:extLst>
       <p:ext uri="{BB962C8B-B14F-4D97-AF65-F5344CB8AC3E}">
-        <p14:creationId xmlns:p14="http://schemas.microsoft.com/office/powerpoint/2010/main" val="2349733989"/>
+        <p14:creationId xmlns:p14="http://schemas.microsoft.com/office/powerpoint/2010/main" val="1660202471"/>
       </p:ext>
     </p:extLst>
   </p:cSld>
   <p:clrMapOvr>
     <a:masterClrMapping/>
   </p:clrMapOvr>
+  <p:timing>
+    <p:tnLst>
+      <p:par>
+        <p:cTn id="1" dur="indefinite" restart="never" nodeType="tmRoot"/>
+      </p:par>
+    </p:tnLst>
+  </p:timing>
 </p:sld>
 </file>
 
@@ -8243,12 +8630,8 @@
           <a:lstStyle/>
           <a:p>
             <a:r>
-              <a:rPr lang="en-US" dirty="0"/>
-              <a:t>Multiple Regression Results For </a:t>
-            </a:r>
-            <a:r>
               <a:rPr lang="en-US" dirty="0" smtClean="0"/>
-              <a:t>Condos</a:t>
+              <a:t>SVM Visualization - Saad</a:t>
             </a:r>
             <a:endParaRPr lang="en-US" dirty="0"/>
           </a:p>
@@ -8256,13 +8639,11 @@
       </p:sp>
       <p:pic>
         <p:nvPicPr>
-          <p:cNvPr id="4" name="Content Placeholder 3"/>
+          <p:cNvPr id="4" name="Picture 3"/>
           <p:cNvPicPr>
-            <a:picLocks noGrp="1"/>
+            <a:picLocks noChangeAspect="1"/>
           </p:cNvPicPr>
-          <p:nvPr>
-            <p:ph idx="1"/>
-          </p:nvPr>
+          <p:nvPr/>
         </p:nvPicPr>
         <p:blipFill>
           <a:blip r:embed="rId2"/>
@@ -8272,30 +8653,8 @@
         </p:blipFill>
         <p:spPr>
           <a:xfrm>
-            <a:off x="2592925" y="1413436"/>
-            <a:ext cx="8296275" cy="3158564"/>
-          </a:xfrm>
-          <a:prstGeom prst="rect">
-            <a:avLst/>
-          </a:prstGeom>
-        </p:spPr>
-      </p:pic>
-      <p:pic>
-        <p:nvPicPr>
-          <p:cNvPr id="5" name="Picture 4"/>
-          <p:cNvPicPr/>
-          <p:nvPr/>
-        </p:nvPicPr>
-        <p:blipFill>
-          <a:blip r:embed="rId3"/>
-          <a:stretch>
-            <a:fillRect/>
-          </a:stretch>
-        </p:blipFill>
-        <p:spPr>
-          <a:xfrm>
-            <a:off x="2592924" y="4710242"/>
-            <a:ext cx="8296275" cy="1331970"/>
+            <a:off x="2592925" y="1792997"/>
+            <a:ext cx="8658225" cy="3505200"/>
           </a:xfrm>
           <a:prstGeom prst="rect">
             <a:avLst/>
@@ -8305,13 +8664,20 @@
     </p:spTree>
     <p:extLst>
       <p:ext uri="{BB962C8B-B14F-4D97-AF65-F5344CB8AC3E}">
-        <p14:creationId xmlns:p14="http://schemas.microsoft.com/office/powerpoint/2010/main" val="3295895725"/>
+        <p14:creationId xmlns:p14="http://schemas.microsoft.com/office/powerpoint/2010/main" val="1649995822"/>
       </p:ext>
     </p:extLst>
   </p:cSld>
   <p:clrMapOvr>
     <a:masterClrMapping/>
   </p:clrMapOvr>
+  <p:timing>
+    <p:tnLst>
+      <p:par>
+        <p:cTn id="1" dur="indefinite" restart="never" nodeType="tmRoot"/>
+      </p:par>
+    </p:tnLst>
+  </p:timing>
 </p:sld>
 </file>
 
@@ -8344,24 +8710,14 @@
         </p:nvSpPr>
         <p:spPr/>
         <p:txBody>
-          <a:bodyPr>
-            <a:normAutofit/>
-          </a:bodyPr>
-          <a:lstStyle/>
-          <a:p>
-            <a:r>
-              <a:rPr lang="en-US" sz="3200" dirty="0" smtClean="0"/>
-              <a:t>Backward </a:t>
-            </a:r>
-            <a:r>
-              <a:rPr lang="en-US" sz="3200" dirty="0"/>
-              <a:t>Regression Results For </a:t>
-            </a:r>
-            <a:r>
-              <a:rPr lang="en-US" sz="3200" dirty="0" smtClean="0"/>
-              <a:t>Condos</a:t>
-            </a:r>
-            <a:endParaRPr lang="en-US" sz="3200" dirty="0"/>
+          <a:bodyPr/>
+          <a:lstStyle/>
+          <a:p>
+            <a:r>
+              <a:rPr lang="en-US" dirty="0" smtClean="0"/>
+              <a:t>SVM Visualization - Pranav</a:t>
+            </a:r>
+            <a:endParaRPr lang="en-US" dirty="0"/>
           </a:p>
         </p:txBody>
       </p:sp>
@@ -8369,7 +8725,7 @@
         <p:nvPicPr>
           <p:cNvPr id="4" name="Content Placeholder 3"/>
           <p:cNvPicPr>
-            <a:picLocks noGrp="1"/>
+            <a:picLocks noGrp="1" noChangeAspect="1"/>
           </p:cNvPicPr>
           <p:nvPr>
             <p:ph idx="1"/>
@@ -8383,30 +8739,8 @@
         </p:blipFill>
         <p:spPr>
           <a:xfrm>
-            <a:off x="2592925" y="1264555"/>
-            <a:ext cx="8115300" cy="3181939"/>
-          </a:xfrm>
-          <a:prstGeom prst="rect">
-            <a:avLst/>
-          </a:prstGeom>
-        </p:spPr>
-      </p:pic>
-      <p:pic>
-        <p:nvPicPr>
-          <p:cNvPr id="5" name="Picture 4"/>
-          <p:cNvPicPr/>
-          <p:nvPr/>
-        </p:nvPicPr>
-        <p:blipFill>
-          <a:blip r:embed="rId3"/>
-          <a:stretch>
-            <a:fillRect/>
-          </a:stretch>
-        </p:blipFill>
-        <p:spPr>
-          <a:xfrm>
-            <a:off x="2592925" y="4717116"/>
-            <a:ext cx="8115300" cy="1136837"/>
+            <a:off x="2708275" y="2270125"/>
+            <a:ext cx="8677275" cy="3505200"/>
           </a:xfrm>
           <a:prstGeom prst="rect">
             <a:avLst/>
@@ -8416,13 +8750,20 @@
     </p:spTree>
     <p:extLst>
       <p:ext uri="{BB962C8B-B14F-4D97-AF65-F5344CB8AC3E}">
-        <p14:creationId xmlns:p14="http://schemas.microsoft.com/office/powerpoint/2010/main" val="1413135330"/>
+        <p14:creationId xmlns:p14="http://schemas.microsoft.com/office/powerpoint/2010/main" val="627996254"/>
       </p:ext>
     </p:extLst>
   </p:cSld>
   <p:clrMapOvr>
     <a:masterClrMapping/>
   </p:clrMapOvr>
+  <p:timing>
+    <p:tnLst>
+      <p:par>
+        <p:cTn id="1" dur="indefinite" restart="never" nodeType="tmRoot"/>
+      </p:par>
+    </p:tnLst>
+  </p:timing>
 </p:sld>
 </file>
 
@@ -8455,7 +8796,7 @@
         </p:nvSpPr>
         <p:spPr>
           <a:xfrm>
-            <a:off x="3415884" y="3239294"/>
+            <a:off x="2512458" y="199534"/>
             <a:ext cx="8911687" cy="1280890"/>
           </a:xfrm>
         </p:spPr>
@@ -8463,18 +8804,164 @@
           <a:bodyPr/>
           <a:lstStyle/>
           <a:p>
-            <a:r>
-              <a:rPr lang="en-US" b="1" dirty="0" smtClean="0"/>
-              <a:t>Graph Plots and Trends</a:t>
-            </a:r>
-            <a:endParaRPr lang="en-US" b="1" dirty="0"/>
-          </a:p>
-        </p:txBody>
-      </p:sp>
+            <a:pPr algn="ctr"/>
+            <a:r>
+              <a:rPr lang="en-US" dirty="0" smtClean="0"/>
+              <a:t>Artificial Neural Network Results -  </a:t>
+            </a:r>
+            <a:r>
+              <a:rPr lang="en-US" dirty="0" err="1" smtClean="0"/>
+              <a:t>Saad’s</a:t>
+            </a:r>
+            <a:r>
+              <a:rPr lang="en-US" dirty="0" smtClean="0"/>
+              <a:t> dataset</a:t>
+            </a:r>
+            <a:endParaRPr lang="en-US" dirty="0"/>
+          </a:p>
+        </p:txBody>
+      </p:sp>
+      <p:sp>
+        <p:nvSpPr>
+          <p:cNvPr id="6" name="TextBox 5"/>
+          <p:cNvSpPr txBox="1"/>
+          <p:nvPr/>
+        </p:nvSpPr>
+        <p:spPr>
+          <a:xfrm>
+            <a:off x="3522702" y="4897780"/>
+            <a:ext cx="5654112" cy="646331"/>
+          </a:xfrm>
+          <a:prstGeom prst="rect">
+            <a:avLst/>
+          </a:prstGeom>
+          <a:noFill/>
+        </p:spPr>
+        <p:txBody>
+          <a:bodyPr wrap="none" rtlCol="0">
+            <a:spAutoFit/>
+          </a:bodyPr>
+          <a:lstStyle/>
+          <a:p>
+            <a:endParaRPr lang="en-US" b="1" dirty="0" smtClean="0"/>
+          </a:p>
+          <a:p>
+            <a:r>
+              <a:rPr lang="en-US" dirty="0" smtClean="0"/>
+              <a:t>Mean Squared Error &amp; Root Mean Squared Error:</a:t>
+            </a:r>
+            <a:endParaRPr lang="en-US" dirty="0"/>
+          </a:p>
+        </p:txBody>
+      </p:sp>
+      <p:sp>
+        <p:nvSpPr>
+          <p:cNvPr id="7" name="TextBox 6"/>
+          <p:cNvSpPr txBox="1"/>
+          <p:nvPr/>
+        </p:nvSpPr>
+        <p:spPr>
+          <a:xfrm>
+            <a:off x="3522702" y="1388764"/>
+            <a:ext cx="2667718" cy="369332"/>
+          </a:xfrm>
+          <a:prstGeom prst="rect">
+            <a:avLst/>
+          </a:prstGeom>
+          <a:noFill/>
+        </p:spPr>
+        <p:txBody>
+          <a:bodyPr wrap="none" rtlCol="0">
+            <a:spAutoFit/>
+          </a:bodyPr>
+          <a:lstStyle/>
+          <a:p>
+            <a:r>
+              <a:rPr lang="en-US" dirty="0" smtClean="0"/>
+              <a:t>One hundred epochs:</a:t>
+            </a:r>
+            <a:endParaRPr lang="en-US" dirty="0"/>
+          </a:p>
+        </p:txBody>
+      </p:sp>
+      <p:pic>
+        <p:nvPicPr>
+          <p:cNvPr id="8" name="Content Placeholder 7"/>
+          <p:cNvPicPr>
+            <a:picLocks noGrp="1" noChangeAspect="1"/>
+          </p:cNvPicPr>
+          <p:nvPr>
+            <p:ph idx="1"/>
+          </p:nvPr>
+        </p:nvPicPr>
+        <p:blipFill>
+          <a:blip r:embed="rId2"/>
+          <a:stretch>
+            <a:fillRect/>
+          </a:stretch>
+        </p:blipFill>
+        <p:spPr>
+          <a:xfrm>
+            <a:off x="3609329" y="1835431"/>
+            <a:ext cx="4671477" cy="3053551"/>
+          </a:xfrm>
+          <a:prstGeom prst="rect">
+            <a:avLst/>
+          </a:prstGeom>
+        </p:spPr>
+      </p:pic>
+      <p:pic>
+        <p:nvPicPr>
+          <p:cNvPr id="9" name="Picture 8"/>
+          <p:cNvPicPr>
+            <a:picLocks noChangeAspect="1"/>
+          </p:cNvPicPr>
+          <p:nvPr/>
+        </p:nvPicPr>
+        <p:blipFill>
+          <a:blip r:embed="rId3"/>
+          <a:stretch>
+            <a:fillRect/>
+          </a:stretch>
+        </p:blipFill>
+        <p:spPr>
+          <a:xfrm>
+            <a:off x="3609329" y="5614528"/>
+            <a:ext cx="6572250" cy="485775"/>
+          </a:xfrm>
+          <a:prstGeom prst="rect">
+            <a:avLst/>
+          </a:prstGeom>
+        </p:spPr>
+      </p:pic>
+      <p:pic>
+        <p:nvPicPr>
+          <p:cNvPr id="10" name="Picture 9"/>
+          <p:cNvPicPr>
+            <a:picLocks noChangeAspect="1"/>
+          </p:cNvPicPr>
+          <p:nvPr/>
+        </p:nvPicPr>
+        <p:blipFill>
+          <a:blip r:embed="rId4"/>
+          <a:stretch>
+            <a:fillRect/>
+          </a:stretch>
+        </p:blipFill>
+        <p:spPr>
+          <a:xfrm>
+            <a:off x="3609329" y="6269657"/>
+            <a:ext cx="5095875" cy="495300"/>
+          </a:xfrm>
+          <a:prstGeom prst="rect">
+            <a:avLst/>
+          </a:prstGeom>
+        </p:spPr>
+      </p:pic>
     </p:spTree>
     <p:extLst>
       <p:ext uri="{BB962C8B-B14F-4D97-AF65-F5344CB8AC3E}">
-        <p14:creationId xmlns:p14="http://schemas.microsoft.com/office/powerpoint/2010/main" val="4087432332"/>
+        <p14:creationId xmlns:p14="http://schemas.microsoft.com/office/powerpoint/2010/main" val="3216308254"/>
       </p:ext>
     </p:extLst>
   </p:cSld>
@@ -8518,63 +9005,49 @@
             <p:ph type="title"/>
           </p:nvPr>
         </p:nvSpPr>
-        <p:spPr>
-          <a:xfrm>
-            <a:off x="2592925" y="624110"/>
-            <a:ext cx="8911687" cy="657843"/>
-          </a:xfrm>
-        </p:spPr>
-        <p:txBody>
-          <a:bodyPr>
-            <a:normAutofit/>
-          </a:bodyPr>
-          <a:lstStyle/>
-          <a:p>
-            <a:r>
-              <a:rPr lang="en-US" sz="3000" dirty="0" smtClean="0"/>
-              <a:t>Year Built vs Estimated Rent</a:t>
-            </a:r>
-            <a:endParaRPr lang="en-US" sz="3000" dirty="0"/>
+        <p:spPr/>
+        <p:txBody>
+          <a:bodyPr/>
+          <a:lstStyle/>
+          <a:p>
+            <a:r>
+              <a:rPr lang="en-US" dirty="0" smtClean="0"/>
+              <a:t>Predicted vs Actual Plot</a:t>
+            </a:r>
+            <a:endParaRPr lang="en-US" dirty="0"/>
           </a:p>
         </p:txBody>
       </p:sp>
       <p:pic>
         <p:nvPicPr>
-          <p:cNvPr id="5" name="Content Placeholder 4"/>
+          <p:cNvPr id="4" name="Content Placeholder 3"/>
           <p:cNvPicPr>
-            <a:picLocks noGrp="1"/>
+            <a:picLocks noGrp="1" noChangeAspect="1"/>
           </p:cNvPicPr>
           <p:nvPr>
             <p:ph idx="1"/>
           </p:nvPr>
         </p:nvPicPr>
-        <p:blipFill rotWithShape="1">
+        <p:blipFill>
           <a:blip r:embed="rId2"/>
-          <a:srcRect l="28365" t="19505" b="11289"/>
-          <a:stretch/>
+          <a:stretch>
+            <a:fillRect/>
+          </a:stretch>
         </p:blipFill>
-        <p:spPr bwMode="auto">
-          <a:xfrm>
-            <a:off x="2592926" y="1389529"/>
-            <a:ext cx="7904746" cy="4522321"/>
+        <p:spPr>
+          <a:xfrm>
+            <a:off x="2651964" y="1692224"/>
+            <a:ext cx="8658225" cy="3505200"/>
           </a:xfrm>
           <a:prstGeom prst="rect">
             <a:avLst/>
           </a:prstGeom>
-          <a:ln>
-            <a:noFill/>
-          </a:ln>
-          <a:extLst>
-            <a:ext uri="{53640926-AAD7-44D8-BBD7-CCE9431645EC}">
-              <a14:shadowObscured xmlns:a14="http://schemas.microsoft.com/office/drawing/2010/main"/>
-            </a:ext>
-          </a:extLst>
         </p:spPr>
       </p:pic>
     </p:spTree>
     <p:extLst>
       <p:ext uri="{BB962C8B-B14F-4D97-AF65-F5344CB8AC3E}">
-        <p14:creationId xmlns:p14="http://schemas.microsoft.com/office/powerpoint/2010/main" val="2019551206"/>
+        <p14:creationId xmlns:p14="http://schemas.microsoft.com/office/powerpoint/2010/main" val="1687639086"/>
       </p:ext>
     </p:extLst>
   </p:cSld>
@@ -8620,65 +9093,175 @@
         </p:nvSpPr>
         <p:spPr>
           <a:xfrm>
-            <a:off x="2592925" y="624110"/>
-            <a:ext cx="8911687" cy="855066"/>
+            <a:off x="2512458" y="199534"/>
+            <a:ext cx="8911687" cy="1280890"/>
           </a:xfrm>
         </p:spPr>
         <p:txBody>
           <a:bodyPr/>
           <a:lstStyle/>
           <a:p>
+            <a:pPr algn="ctr"/>
             <a:r>
               <a:rPr lang="en-US" dirty="0" smtClean="0"/>
-              <a:t>Estimated Price vs Estimated Rent</a:t>
-            </a:r>
-            <a:endParaRPr lang="en-US" dirty="0"/>
-          </a:p>
-        </p:txBody>
-      </p:sp>
-      <p:pic>
-        <p:nvPicPr>
-          <p:cNvPr id="6" name="Content Placeholder 5"/>
-          <p:cNvPicPr>
-            <a:picLocks noGrp="1"/>
-          </p:cNvPicPr>
-          <p:nvPr>
-            <p:ph idx="1"/>
-          </p:nvPr>
-        </p:nvPicPr>
-        <p:blipFill rotWithShape="1">
-          <a:blip r:embed="rId2"/>
-          <a:srcRect l="27922" t="19503" b="11972"/>
-          <a:stretch/>
-        </p:blipFill>
-        <p:spPr bwMode="auto">
-          <a:xfrm>
-            <a:off x="2592925" y="1766046"/>
-            <a:ext cx="8911687" cy="4437529"/>
+              <a:t>Artificial Neural Network Results -  Pranav’s dataset</a:t>
+            </a:r>
+            <a:endParaRPr lang="en-US" dirty="0"/>
+          </a:p>
+        </p:txBody>
+      </p:sp>
+      <p:sp>
+        <p:nvSpPr>
+          <p:cNvPr id="6" name="TextBox 5"/>
+          <p:cNvSpPr txBox="1"/>
+          <p:nvPr/>
+        </p:nvSpPr>
+        <p:spPr>
+          <a:xfrm>
+            <a:off x="3522702" y="4897780"/>
+            <a:ext cx="5654112" cy="646331"/>
           </a:xfrm>
           <a:prstGeom prst="rect">
             <a:avLst/>
           </a:prstGeom>
-          <a:ln>
-            <a:noFill/>
-          </a:ln>
-          <a:extLst>
-            <a:ext uri="{53640926-AAD7-44D8-BBD7-CCE9431645EC}">
-              <a14:shadowObscured xmlns:a14="http://schemas.microsoft.com/office/drawing/2010/main"/>
-            </a:ext>
-          </a:extLst>
+          <a:noFill/>
+        </p:spPr>
+        <p:txBody>
+          <a:bodyPr wrap="none" rtlCol="0">
+            <a:spAutoFit/>
+          </a:bodyPr>
+          <a:lstStyle/>
+          <a:p>
+            <a:endParaRPr lang="en-US" b="1" dirty="0" smtClean="0"/>
+          </a:p>
+          <a:p>
+            <a:r>
+              <a:rPr lang="en-US" dirty="0" smtClean="0"/>
+              <a:t>Mean Squared Error &amp; Root Mean Squared Error:</a:t>
+            </a:r>
+            <a:endParaRPr lang="en-US" dirty="0"/>
+          </a:p>
+        </p:txBody>
+      </p:sp>
+      <p:sp>
+        <p:nvSpPr>
+          <p:cNvPr id="7" name="TextBox 6"/>
+          <p:cNvSpPr txBox="1"/>
+          <p:nvPr/>
+        </p:nvSpPr>
+        <p:spPr>
+          <a:xfrm>
+            <a:off x="3522702" y="1388764"/>
+            <a:ext cx="2667718" cy="369332"/>
+          </a:xfrm>
+          <a:prstGeom prst="rect">
+            <a:avLst/>
+          </a:prstGeom>
+          <a:noFill/>
+        </p:spPr>
+        <p:txBody>
+          <a:bodyPr wrap="none" rtlCol="0">
+            <a:spAutoFit/>
+          </a:bodyPr>
+          <a:lstStyle/>
+          <a:p>
+            <a:r>
+              <a:rPr lang="en-US" dirty="0" smtClean="0"/>
+              <a:t>One hundred epochs:</a:t>
+            </a:r>
+            <a:endParaRPr lang="en-US" dirty="0"/>
+          </a:p>
+        </p:txBody>
+      </p:sp>
+      <p:pic>
+        <p:nvPicPr>
+          <p:cNvPr id="4" name="Picture 3"/>
+          <p:cNvPicPr>
+            <a:picLocks noChangeAspect="1"/>
+          </p:cNvPicPr>
+          <p:nvPr/>
+        </p:nvPicPr>
+        <p:blipFill>
+          <a:blip r:embed="rId2"/>
+          <a:stretch>
+            <a:fillRect/>
+          </a:stretch>
+        </p:blipFill>
+        <p:spPr>
+          <a:xfrm>
+            <a:off x="3650412" y="5544111"/>
+            <a:ext cx="6753225" cy="485775"/>
+          </a:xfrm>
+          <a:prstGeom prst="rect">
+            <a:avLst/>
+          </a:prstGeom>
+        </p:spPr>
+      </p:pic>
+      <p:pic>
+        <p:nvPicPr>
+          <p:cNvPr id="5" name="Picture 4"/>
+          <p:cNvPicPr>
+            <a:picLocks noChangeAspect="1"/>
+          </p:cNvPicPr>
+          <p:nvPr/>
+        </p:nvPicPr>
+        <p:blipFill>
+          <a:blip r:embed="rId3"/>
+          <a:stretch>
+            <a:fillRect/>
+          </a:stretch>
+        </p:blipFill>
+        <p:spPr>
+          <a:xfrm>
+            <a:off x="3650412" y="1867257"/>
+            <a:ext cx="6467784" cy="3290021"/>
+          </a:xfrm>
+          <a:prstGeom prst="rect">
+            <a:avLst/>
+          </a:prstGeom>
+        </p:spPr>
+      </p:pic>
+      <p:pic>
+        <p:nvPicPr>
+          <p:cNvPr id="11" name="Picture 10"/>
+          <p:cNvPicPr>
+            <a:picLocks noChangeAspect="1"/>
+          </p:cNvPicPr>
+          <p:nvPr/>
+        </p:nvPicPr>
+        <p:blipFill>
+          <a:blip r:embed="rId4"/>
+          <a:stretch>
+            <a:fillRect/>
+          </a:stretch>
+        </p:blipFill>
+        <p:spPr>
+          <a:xfrm>
+            <a:off x="3650412" y="6154781"/>
+            <a:ext cx="4429125" cy="523875"/>
+          </a:xfrm>
+          <a:prstGeom prst="rect">
+            <a:avLst/>
+          </a:prstGeom>
         </p:spPr>
       </p:pic>
     </p:spTree>
     <p:extLst>
       <p:ext uri="{BB962C8B-B14F-4D97-AF65-F5344CB8AC3E}">
-        <p14:creationId xmlns:p14="http://schemas.microsoft.com/office/powerpoint/2010/main" val="4156154723"/>
+        <p14:creationId xmlns:p14="http://schemas.microsoft.com/office/powerpoint/2010/main" val="1153330766"/>
       </p:ext>
     </p:extLst>
   </p:cSld>
   <p:clrMapOvr>
     <a:masterClrMapping/>
   </p:clrMapOvr>
+  <p:timing>
+    <p:tnLst>
+      <p:par>
+        <p:cTn id="1" dur="indefinite" restart="never" nodeType="tmRoot"/>
+      </p:par>
+    </p:tnLst>
+  </p:timing>
 </p:sld>
 </file>
 
@@ -8711,36 +9294,8 @@
         </p:nvSpPr>
         <p:spPr>
           <a:xfrm>
-            <a:off x="2592925" y="624110"/>
-            <a:ext cx="8911687" cy="1079184"/>
-          </a:xfrm>
-        </p:spPr>
-        <p:txBody>
-          <a:bodyPr/>
-          <a:lstStyle/>
-          <a:p>
-            <a:r>
-              <a:rPr lang="en-US" dirty="0" smtClean="0"/>
-              <a:t>Outline</a:t>
-            </a:r>
-            <a:endParaRPr lang="en-US" dirty="0"/>
-          </a:p>
-        </p:txBody>
-      </p:sp>
-      <p:sp>
-        <p:nvSpPr>
-          <p:cNvPr id="3" name="Content Placeholder 2"/>
-          <p:cNvSpPr>
-            <a:spLocks noGrp="1"/>
-          </p:cNvSpPr>
-          <p:nvPr>
-            <p:ph idx="1"/>
-          </p:nvPr>
-        </p:nvSpPr>
-        <p:spPr>
-          <a:xfrm>
-            <a:off x="2589212" y="2017059"/>
-            <a:ext cx="8915400" cy="3894163"/>
+            <a:off x="2602550" y="624110"/>
+            <a:ext cx="8911687" cy="752303"/>
           </a:xfrm>
         </p:spPr>
         <p:txBody>
@@ -8751,52 +9306,74 @@
               <a:rPr lang="en-US" dirty="0" smtClean="0"/>
               <a:t>Introduction</a:t>
             </a:r>
-          </a:p>
+            <a:endParaRPr lang="en-US" dirty="0"/>
+          </a:p>
+        </p:txBody>
+      </p:sp>
+      <p:sp>
+        <p:nvSpPr>
+          <p:cNvPr id="3" name="Content Placeholder 2"/>
+          <p:cNvSpPr>
+            <a:spLocks noGrp="1"/>
+          </p:cNvSpPr>
+          <p:nvPr>
+            <p:ph idx="1"/>
+          </p:nvPr>
+        </p:nvSpPr>
+        <p:spPr>
+          <a:xfrm>
+            <a:off x="2589212" y="1376413"/>
+            <a:ext cx="8915400" cy="4534809"/>
+          </a:xfrm>
+        </p:spPr>
+        <p:txBody>
+          <a:bodyPr/>
+          <a:lstStyle/>
           <a:p>
             <a:r>
               <a:rPr lang="en-US" dirty="0" smtClean="0"/>
-              <a:t>Feature Importance using Boruta Package(Random Forest)</a:t>
+              <a:t>Motivation </a:t>
             </a:r>
           </a:p>
           <a:p>
             <a:r>
               <a:rPr lang="en-US" dirty="0" smtClean="0"/>
-              <a:t>Clusters</a:t>
-            </a:r>
-          </a:p>
-          <a:p>
-            <a:r>
-              <a:rPr lang="en-US" dirty="0" smtClean="0"/>
-              <a:t>Models and Comparisons.</a:t>
-            </a:r>
-          </a:p>
-          <a:p>
-            <a:r>
-              <a:rPr lang="en-US" dirty="0" smtClean="0"/>
-              <a:t>Graph plots and Data trends</a:t>
-            </a:r>
-          </a:p>
-          <a:p>
-            <a:r>
-              <a:rPr lang="en-US" dirty="0" smtClean="0"/>
-              <a:t>Summary</a:t>
-            </a:r>
-          </a:p>
-          <a:p>
-            <a:pPr marL="0" indent="0">
-              <a:buNone/>
-            </a:pPr>
-            <a:endParaRPr lang="en-US" dirty="0" smtClean="0"/>
-          </a:p>
-          <a:p>
-            <a:endParaRPr lang="en-US" dirty="0"/>
-          </a:p>
-        </p:txBody>
-      </p:sp>
+              <a:t>Dataset</a:t>
+            </a:r>
+          </a:p>
+          <a:p>
+            <a:endParaRPr lang="en-US" dirty="0"/>
+          </a:p>
+        </p:txBody>
+      </p:sp>
+      <p:pic>
+        <p:nvPicPr>
+          <p:cNvPr id="4" name="Picture 3"/>
+          <p:cNvPicPr>
+            <a:picLocks noChangeAspect="1"/>
+          </p:cNvPicPr>
+          <p:nvPr/>
+        </p:nvPicPr>
+        <p:blipFill>
+          <a:blip r:embed="rId2"/>
+          <a:stretch>
+            <a:fillRect/>
+          </a:stretch>
+        </p:blipFill>
+        <p:spPr>
+          <a:xfrm>
+            <a:off x="2589212" y="2282197"/>
+            <a:ext cx="9365365" cy="3629025"/>
+          </a:xfrm>
+          <a:prstGeom prst="rect">
+            <a:avLst/>
+          </a:prstGeom>
+        </p:spPr>
+      </p:pic>
     </p:spTree>
     <p:extLst>
       <p:ext uri="{BB962C8B-B14F-4D97-AF65-F5344CB8AC3E}">
-        <p14:creationId xmlns:p14="http://schemas.microsoft.com/office/powerpoint/2010/main" val="3949223867"/>
+        <p14:creationId xmlns:p14="http://schemas.microsoft.com/office/powerpoint/2010/main" val="242433086"/>
       </p:ext>
     </p:extLst>
   </p:cSld>
@@ -8840,19 +9417,14 @@
             <p:ph type="title"/>
           </p:nvPr>
         </p:nvSpPr>
-        <p:spPr>
-          <a:xfrm>
-            <a:off x="2592925" y="624110"/>
-            <a:ext cx="8911687" cy="711631"/>
-          </a:xfrm>
-        </p:spPr>
+        <p:spPr/>
         <p:txBody>
           <a:bodyPr/>
           <a:lstStyle/>
           <a:p>
             <a:r>
               <a:rPr lang="en-US" dirty="0" smtClean="0"/>
-              <a:t>Estimated Rent vs Area Space</a:t>
+              <a:t>Predicted vs Actual Plot</a:t>
             </a:r>
             <a:endParaRPr lang="en-US" dirty="0"/>
           </a:p>
@@ -8860,41 +9432,32 @@
       </p:sp>
       <p:pic>
         <p:nvPicPr>
-          <p:cNvPr id="5" name="Content Placeholder 4"/>
+          <p:cNvPr id="5" name="Picture 4"/>
           <p:cNvPicPr>
-            <a:picLocks noGrp="1"/>
+            <a:picLocks noChangeAspect="1"/>
           </p:cNvPicPr>
-          <p:nvPr>
-            <p:ph idx="1"/>
-          </p:nvPr>
+          <p:nvPr/>
         </p:nvPicPr>
-        <p:blipFill rotWithShape="1">
+        <p:blipFill>
           <a:blip r:embed="rId2"/>
-          <a:srcRect l="28322" t="19744" r="148" b="9853"/>
-          <a:stretch/>
+          <a:stretch>
+            <a:fillRect/>
+          </a:stretch>
         </p:blipFill>
-        <p:spPr bwMode="auto">
-          <a:xfrm>
-            <a:off x="2592925" y="1577787"/>
-            <a:ext cx="7866193" cy="4509247"/>
+        <p:spPr>
+          <a:xfrm>
+            <a:off x="2710130" y="1701338"/>
+            <a:ext cx="8677275" cy="3505200"/>
           </a:xfrm>
           <a:prstGeom prst="rect">
             <a:avLst/>
           </a:prstGeom>
-          <a:ln>
-            <a:noFill/>
-          </a:ln>
-          <a:extLst>
-            <a:ext uri="{53640926-AAD7-44D8-BBD7-CCE9431645EC}">
-              <a14:shadowObscured xmlns:a14="http://schemas.microsoft.com/office/drawing/2010/main"/>
-            </a:ext>
-          </a:extLst>
         </p:spPr>
       </p:pic>
     </p:spTree>
     <p:extLst>
       <p:ext uri="{BB962C8B-B14F-4D97-AF65-F5344CB8AC3E}">
-        <p14:creationId xmlns:p14="http://schemas.microsoft.com/office/powerpoint/2010/main" val="3130915026"/>
+        <p14:creationId xmlns:p14="http://schemas.microsoft.com/office/powerpoint/2010/main" val="698427353"/>
       </p:ext>
     </p:extLst>
   </p:cSld>
@@ -8938,56 +9501,78 @@
             <p:ph type="title"/>
           </p:nvPr>
         </p:nvSpPr>
+        <p:spPr/>
+        <p:txBody>
+          <a:bodyPr/>
+          <a:lstStyle/>
+          <a:p>
+            <a:r>
+              <a:rPr lang="en-US" dirty="0" smtClean="0"/>
+              <a:t>Challenges </a:t>
+            </a:r>
+            <a:endParaRPr lang="en-US" dirty="0"/>
+          </a:p>
+        </p:txBody>
+      </p:sp>
+      <p:sp>
+        <p:nvSpPr>
+          <p:cNvPr id="3" name="Content Placeholder 2"/>
+          <p:cNvSpPr>
+            <a:spLocks noGrp="1"/>
+          </p:cNvSpPr>
+          <p:nvPr>
+            <p:ph idx="1"/>
+          </p:nvPr>
+        </p:nvSpPr>
         <p:spPr>
           <a:xfrm>
-            <a:off x="2592925" y="624110"/>
-            <a:ext cx="8911687" cy="702666"/>
-          </a:xfrm>
-        </p:spPr>
-        <p:txBody>
-          <a:bodyPr>
-            <a:normAutofit/>
-          </a:bodyPr>
-          <a:lstStyle/>
-          <a:p>
-            <a:r>
-              <a:rPr lang="en-US" sz="3200" dirty="0" smtClean="0"/>
-              <a:t>Bathrooms vs Predicted Estimated Rent</a:t>
-            </a:r>
-            <a:endParaRPr lang="en-US" sz="3200" dirty="0"/>
-          </a:p>
-        </p:txBody>
-      </p:sp>
-      <p:pic>
-        <p:nvPicPr>
-          <p:cNvPr id="8" name="Content Placeholder 7"/>
-          <p:cNvPicPr>
-            <a:picLocks noGrp="1"/>
-          </p:cNvPicPr>
-          <p:nvPr>
-            <p:ph idx="1"/>
-          </p:nvPr>
-        </p:nvPicPr>
-        <p:blipFill>
-          <a:blip r:embed="rId2"/>
-          <a:stretch>
-            <a:fillRect/>
-          </a:stretch>
-        </p:blipFill>
-        <p:spPr>
-          <a:xfrm>
-            <a:off x="2592925" y="1766047"/>
-            <a:ext cx="8911687" cy="4500282"/>
-          </a:xfrm>
-          <a:prstGeom prst="rect">
-            <a:avLst/>
-          </a:prstGeom>
-        </p:spPr>
-      </p:pic>
+            <a:off x="2589212" y="1761423"/>
+            <a:ext cx="8915400" cy="4149799"/>
+          </a:xfrm>
+        </p:spPr>
+        <p:txBody>
+          <a:bodyPr/>
+          <a:lstStyle/>
+          <a:p>
+            <a:r>
+              <a:rPr lang="en-US" dirty="0" smtClean="0"/>
+              <a:t>Dealing with inconsistency of data values.</a:t>
+            </a:r>
+          </a:p>
+          <a:p>
+            <a:endParaRPr lang="en-US" dirty="0" smtClean="0"/>
+          </a:p>
+          <a:p>
+            <a:r>
+              <a:rPr lang="en-US" dirty="0" smtClean="0"/>
+              <a:t>Treating Outliers</a:t>
+            </a:r>
+          </a:p>
+          <a:p>
+            <a:endParaRPr lang="en-US" dirty="0" smtClean="0"/>
+          </a:p>
+          <a:p>
+            <a:r>
+              <a:rPr lang="en-US" dirty="0" smtClean="0"/>
+              <a:t>Dealing with interpretation of Neural Network Results.</a:t>
+            </a:r>
+          </a:p>
+          <a:p>
+            <a:endParaRPr lang="en-US" dirty="0" smtClean="0"/>
+          </a:p>
+          <a:p>
+            <a:r>
+              <a:rPr lang="en-US" dirty="0" smtClean="0"/>
+              <a:t>Understanding and comparing the results from two different datasets.</a:t>
+            </a:r>
+            <a:endParaRPr lang="en-US" dirty="0"/>
+          </a:p>
+        </p:txBody>
+      </p:sp>
     </p:spTree>
     <p:extLst>
       <p:ext uri="{BB962C8B-B14F-4D97-AF65-F5344CB8AC3E}">
-        <p14:creationId xmlns:p14="http://schemas.microsoft.com/office/powerpoint/2010/main" val="2543014319"/>
+        <p14:creationId xmlns:p14="http://schemas.microsoft.com/office/powerpoint/2010/main" val="1095318439"/>
       </p:ext>
     </p:extLst>
   </p:cSld>
@@ -9021,64 +9606,36 @@
           <a:chExt cx="0" cy="0"/>
         </a:xfrm>
       </p:grpSpPr>
-      <p:sp>
-        <p:nvSpPr>
-          <p:cNvPr id="2" name="Title 1"/>
-          <p:cNvSpPr>
-            <a:spLocks noGrp="1"/>
-          </p:cNvSpPr>
-          <p:nvPr>
-            <p:ph type="title"/>
-          </p:nvPr>
-        </p:nvSpPr>
-        <p:spPr>
-          <a:xfrm>
-            <a:off x="2592925" y="624110"/>
-            <a:ext cx="8911687" cy="820642"/>
-          </a:xfrm>
-        </p:spPr>
-        <p:txBody>
-          <a:bodyPr/>
-          <a:lstStyle/>
-          <a:p>
-            <a:r>
-              <a:rPr lang="en-US" dirty="0" smtClean="0"/>
-              <a:t>Zip Code vs Predicted Estimated Rent</a:t>
-            </a:r>
-            <a:endParaRPr lang="en-US" dirty="0"/>
-          </a:p>
-        </p:txBody>
-      </p:sp>
       <p:pic>
         <p:nvPicPr>
-          <p:cNvPr id="5" name="Content Placeholder 4"/>
+          <p:cNvPr id="2" name="Picture 2" descr="C:\Users\Hammad\Desktop\any-questions.jpg"/>
           <p:cNvPicPr>
-            <a:picLocks noGrp="1"/>
+            <a:picLocks noChangeAspect="1" noChangeArrowheads="1"/>
           </p:cNvPicPr>
-          <p:nvPr>
-            <p:ph idx="1"/>
-          </p:nvPr>
+          <p:nvPr/>
         </p:nvPicPr>
         <p:blipFill>
           <a:blip r:embed="rId2"/>
+          <a:srcRect/>
           <a:stretch>
             <a:fillRect/>
           </a:stretch>
         </p:blipFill>
-        <p:spPr>
-          <a:xfrm>
-            <a:off x="2592925" y="1792941"/>
-            <a:ext cx="8317122" cy="4312024"/>
+        <p:spPr bwMode="auto">
+          <a:xfrm>
+            <a:off x="2584085" y="1096238"/>
+            <a:ext cx="7670041" cy="4954136"/>
           </a:xfrm>
           <a:prstGeom prst="rect">
             <a:avLst/>
           </a:prstGeom>
+          <a:noFill/>
         </p:spPr>
       </p:pic>
     </p:spTree>
     <p:extLst>
       <p:ext uri="{BB962C8B-B14F-4D97-AF65-F5344CB8AC3E}">
-        <p14:creationId xmlns:p14="http://schemas.microsoft.com/office/powerpoint/2010/main" val="1151321924"/>
+        <p14:creationId xmlns:p14="http://schemas.microsoft.com/office/powerpoint/2010/main" val="3005684207"/>
       </p:ext>
     </p:extLst>
   </p:cSld>
@@ -9125,7 +9682,7 @@
         <p:spPr>
           <a:xfrm>
             <a:off x="2592925" y="624110"/>
-            <a:ext cx="8911687" cy="693702"/>
+            <a:ext cx="8911687" cy="890925"/>
           </a:xfrm>
         </p:spPr>
         <p:txBody>
@@ -9134,7 +9691,7 @@
           <a:p>
             <a:r>
               <a:rPr lang="en-US" dirty="0" smtClean="0"/>
-              <a:t>Introduction</a:t>
+              <a:t>SDK Environment</a:t>
             </a:r>
             <a:endParaRPr lang="en-US" dirty="0"/>
           </a:p>
@@ -9152,8 +9709,8 @@
         </p:nvSpPr>
         <p:spPr>
           <a:xfrm>
-            <a:off x="2589212" y="1407459"/>
-            <a:ext cx="8915400" cy="4536141"/>
+            <a:off x="2678859" y="2061883"/>
+            <a:ext cx="8915400" cy="4082422"/>
           </a:xfrm>
         </p:spPr>
         <p:txBody>
@@ -9162,49 +9719,36 @@
           <a:p>
             <a:r>
               <a:rPr lang="en-US" dirty="0" smtClean="0"/>
-              <a:t>Data </a:t>
-            </a:r>
+              <a:t>Anaconda-</a:t>
+            </a:r>
+            <a:r>
+              <a:rPr lang="en-US" dirty="0" err="1" smtClean="0"/>
+              <a:t>Spyder</a:t>
+            </a:r>
+            <a:endParaRPr lang="en-US" dirty="0" smtClean="0"/>
+          </a:p>
+          <a:p>
+            <a:endParaRPr lang="en-US" dirty="0"/>
+          </a:p>
+          <a:p>
+            <a:pPr marL="0" indent="0">
+              <a:buNone/>
+            </a:pPr>
+            <a:endParaRPr lang="en-US" dirty="0" smtClean="0"/>
+          </a:p>
+          <a:p>
             <a:r>
               <a:rPr lang="en-US" dirty="0" smtClean="0"/>
-              <a:t>Set</a:t>
-            </a:r>
-          </a:p>
-          <a:p>
-            <a:endParaRPr lang="en-US" dirty="0" smtClean="0"/>
-          </a:p>
-          <a:p>
-            <a:endParaRPr lang="en-US" dirty="0"/>
-          </a:p>
-        </p:txBody>
-      </p:sp>
-      <p:pic>
-        <p:nvPicPr>
-          <p:cNvPr id="5" name="Picture 4"/>
-          <p:cNvPicPr>
-            <a:picLocks noChangeAspect="1"/>
-          </p:cNvPicPr>
-          <p:nvPr/>
-        </p:nvPicPr>
-        <p:blipFill>
-          <a:blip r:embed="rId2"/>
-          <a:stretch>
-            <a:fillRect/>
-          </a:stretch>
-        </p:blipFill>
-        <p:spPr>
-          <a:xfrm>
-            <a:off x="2598178" y="2205318"/>
-            <a:ext cx="9522106" cy="4482353"/>
-          </a:xfrm>
-          <a:prstGeom prst="rect">
-            <a:avLst/>
-          </a:prstGeom>
-        </p:spPr>
-      </p:pic>
+              <a:t>Python</a:t>
+            </a:r>
+            <a:endParaRPr lang="en-US" dirty="0"/>
+          </a:p>
+        </p:txBody>
+      </p:sp>
     </p:spTree>
     <p:extLst>
       <p:ext uri="{BB962C8B-B14F-4D97-AF65-F5344CB8AC3E}">
-        <p14:creationId xmlns:p14="http://schemas.microsoft.com/office/powerpoint/2010/main" val="2965989370"/>
+        <p14:creationId xmlns:p14="http://schemas.microsoft.com/office/powerpoint/2010/main" val="1427289235"/>
       </p:ext>
     </p:extLst>
   </p:cSld>
@@ -9248,19 +9792,14 @@
             <p:ph type="title"/>
           </p:nvPr>
         </p:nvSpPr>
-        <p:spPr>
-          <a:xfrm>
-            <a:off x="2592925" y="237744"/>
-            <a:ext cx="8911687" cy="658368"/>
-          </a:xfrm>
-        </p:spPr>
+        <p:spPr/>
         <p:txBody>
           <a:bodyPr/>
           <a:lstStyle/>
           <a:p>
             <a:r>
               <a:rPr lang="en-US" dirty="0" smtClean="0"/>
-              <a:t>Feature Importance </a:t>
+              <a:t>Roadmap</a:t>
             </a:r>
             <a:endParaRPr lang="en-US" dirty="0"/>
           </a:p>
@@ -9276,58 +9815,67 @@
             <p:ph idx="1"/>
           </p:nvPr>
         </p:nvSpPr>
-        <p:spPr>
-          <a:xfrm>
-            <a:off x="2589212" y="896113"/>
-            <a:ext cx="8915400" cy="5015110"/>
-          </a:xfrm>
-        </p:spPr>
+        <p:spPr/>
         <p:txBody>
           <a:bodyPr/>
           <a:lstStyle/>
           <a:p>
             <a:r>
               <a:rPr lang="en-US" dirty="0" smtClean="0"/>
-              <a:t>Boruta Package</a:t>
+              <a:t>Data Exploration</a:t>
             </a:r>
           </a:p>
           <a:p>
             <a:r>
               <a:rPr lang="en-US" dirty="0" smtClean="0"/>
-              <a:t>Importance Plot</a:t>
-            </a:r>
-          </a:p>
-          <a:p>
-            <a:endParaRPr lang="en-US" dirty="0"/>
-          </a:p>
-        </p:txBody>
-      </p:sp>
-      <p:pic>
-        <p:nvPicPr>
-          <p:cNvPr id="5" name="Picture 4"/>
-          <p:cNvPicPr/>
-          <p:nvPr/>
-        </p:nvPicPr>
-        <p:blipFill>
-          <a:blip r:embed="rId2"/>
-          <a:stretch>
-            <a:fillRect/>
-          </a:stretch>
-        </p:blipFill>
-        <p:spPr>
-          <a:xfrm>
-            <a:off x="2589212" y="1757081"/>
-            <a:ext cx="9378670" cy="4885765"/>
-          </a:xfrm>
-          <a:prstGeom prst="rect">
-            <a:avLst/>
-          </a:prstGeom>
-        </p:spPr>
-      </p:pic>
+              <a:t>Data Pre-Processing</a:t>
+            </a:r>
+          </a:p>
+          <a:p>
+            <a:r>
+              <a:rPr lang="en-US" dirty="0" smtClean="0"/>
+              <a:t>Random Forest (Feature Selection)</a:t>
+            </a:r>
+          </a:p>
+          <a:p>
+            <a:r>
+              <a:rPr lang="en-US" dirty="0" smtClean="0"/>
+              <a:t>Support Vector Machines</a:t>
+            </a:r>
+          </a:p>
+          <a:p>
+            <a:r>
+              <a:rPr lang="en-US" dirty="0" smtClean="0"/>
+              <a:t>Artificial Neural Networks</a:t>
+            </a:r>
+          </a:p>
+          <a:p>
+            <a:r>
+              <a:rPr lang="en-US" dirty="0" smtClean="0"/>
+              <a:t>Data Visualization</a:t>
+            </a:r>
+          </a:p>
+          <a:p>
+            <a:pPr marL="0" indent="0">
+              <a:buNone/>
+            </a:pPr>
+            <a:endParaRPr lang="en-US" dirty="0" smtClean="0"/>
+          </a:p>
+          <a:p>
+            <a:endParaRPr lang="en-US" dirty="0" smtClean="0"/>
+          </a:p>
+          <a:p>
+            <a:endParaRPr lang="en-US" dirty="0" smtClean="0"/>
+          </a:p>
+          <a:p>
+            <a:endParaRPr lang="en-US" dirty="0"/>
+          </a:p>
+        </p:txBody>
+      </p:sp>
     </p:spTree>
     <p:extLst>
       <p:ext uri="{BB962C8B-B14F-4D97-AF65-F5344CB8AC3E}">
-        <p14:creationId xmlns:p14="http://schemas.microsoft.com/office/powerpoint/2010/main" val="1378659402"/>
+        <p14:creationId xmlns:p14="http://schemas.microsoft.com/office/powerpoint/2010/main" val="2036212194"/>
       </p:ext>
     </p:extLst>
   </p:cSld>
@@ -9371,63 +9919,67 @@
             <p:ph type="title"/>
           </p:nvPr>
         </p:nvSpPr>
-        <p:spPr/>
+        <p:spPr>
+          <a:xfrm>
+            <a:off x="2592925" y="624110"/>
+            <a:ext cx="8911687" cy="761928"/>
+          </a:xfrm>
+        </p:spPr>
         <p:txBody>
           <a:bodyPr/>
           <a:lstStyle/>
           <a:p>
             <a:r>
               <a:rPr lang="en-US" dirty="0" smtClean="0"/>
-              <a:t>Clustering</a:t>
-            </a:r>
-            <a:endParaRPr lang="en-US" dirty="0"/>
-          </a:p>
-        </p:txBody>
-      </p:sp>
-      <p:sp>
-        <p:nvSpPr>
-          <p:cNvPr id="3" name="Content Placeholder 2"/>
-          <p:cNvSpPr>
-            <a:spLocks noGrp="1"/>
-          </p:cNvSpPr>
+              <a:t>Bathrooms Vs House Price</a:t>
+            </a:r>
+            <a:endParaRPr lang="en-US" dirty="0"/>
+          </a:p>
+        </p:txBody>
+      </p:sp>
+      <p:pic>
+        <p:nvPicPr>
+          <p:cNvPr id="4" name="Content Placeholder 3"/>
+          <p:cNvPicPr>
+            <a:picLocks noGrp="1" noChangeAspect="1"/>
+          </p:cNvPicPr>
           <p:nvPr>
             <p:ph idx="1"/>
           </p:nvPr>
-        </p:nvSpPr>
+        </p:nvPicPr>
+        <p:blipFill>
+          <a:blip r:embed="rId2"/>
+          <a:stretch>
+            <a:fillRect/>
+          </a:stretch>
+        </p:blipFill>
         <p:spPr>
           <a:xfrm>
-            <a:off x="2589212" y="1667436"/>
-            <a:ext cx="8915400" cy="3496236"/>
-          </a:xfrm>
-        </p:spPr>
-        <p:txBody>
-          <a:bodyPr/>
-          <a:lstStyle/>
-          <a:p>
-            <a:r>
-              <a:rPr lang="en-US" dirty="0" smtClean="0"/>
-              <a:t>EM Clusters</a:t>
-            </a:r>
-          </a:p>
-          <a:p>
-            <a:r>
-              <a:rPr lang="en-US" dirty="0" smtClean="0"/>
-              <a:t>K-Means Clusters</a:t>
-            </a:r>
-            <a:endParaRPr lang="en-US" dirty="0"/>
-          </a:p>
-        </p:txBody>
-      </p:sp>
+            <a:off x="2592925" y="1472665"/>
+            <a:ext cx="8911687" cy="5053263"/>
+          </a:xfrm>
+          <a:prstGeom prst="rect">
+            <a:avLst/>
+          </a:prstGeom>
+        </p:spPr>
+      </p:pic>
     </p:spTree>
     <p:extLst>
       <p:ext uri="{BB962C8B-B14F-4D97-AF65-F5344CB8AC3E}">
-        <p14:creationId xmlns:p14="http://schemas.microsoft.com/office/powerpoint/2010/main" val="3839832781"/>
+        <p14:creationId xmlns:p14="http://schemas.microsoft.com/office/powerpoint/2010/main" val="347170532"/>
       </p:ext>
     </p:extLst>
   </p:cSld>
   <p:clrMapOvr>
     <a:masterClrMapping/>
   </p:clrMapOvr>
+  <p:timing>
+    <p:tnLst>
+      <p:par>
+        <p:cTn id="1" dur="indefinite" restart="never" nodeType="tmRoot"/>
+      </p:par>
+    </p:tnLst>
+  </p:timing>
 </p:sld>
 </file>
 
@@ -9458,14 +10010,19 @@
             <p:ph type="title"/>
           </p:nvPr>
         </p:nvSpPr>
-        <p:spPr/>
+        <p:spPr>
+          <a:xfrm>
+            <a:off x="2592925" y="624110"/>
+            <a:ext cx="8911687" cy="675301"/>
+          </a:xfrm>
+        </p:spPr>
         <p:txBody>
           <a:bodyPr/>
           <a:lstStyle/>
           <a:p>
             <a:r>
               <a:rPr lang="en-US" dirty="0" smtClean="0"/>
-              <a:t>EM Clusters for Condos</a:t>
+              <a:t>House Type Vs House Price</a:t>
             </a:r>
             <a:endParaRPr lang="en-US" dirty="0"/>
           </a:p>
@@ -9473,51 +10030,47 @@
       </p:sp>
       <p:pic>
         <p:nvPicPr>
-          <p:cNvPr id="4" name="Content Placeholder 3" descr="C:\Users\Saad\Desktop\Re%3a_Update_on_Housing_Results (1)\Clusters for Condos.PNG"/>
+          <p:cNvPr id="4" name="Content Placeholder 3"/>
           <p:cNvPicPr>
-            <a:picLocks noGrp="1"/>
+            <a:picLocks noGrp="1" noChangeAspect="1"/>
           </p:cNvPicPr>
           <p:nvPr>
             <p:ph idx="1"/>
           </p:nvPr>
         </p:nvPicPr>
         <p:blipFill>
-          <a:blip r:embed="rId2" cstate="print">
-            <a:extLst>
-              <a:ext uri="{28A0092B-C50C-407E-A947-70E740481C1C}">
-                <a14:useLocalDpi xmlns:a14="http://schemas.microsoft.com/office/drawing/2010/main" val="0"/>
-              </a:ext>
-            </a:extLst>
-          </a:blip>
-          <a:srcRect/>
+          <a:blip r:embed="rId2"/>
           <a:stretch>
             <a:fillRect/>
           </a:stretch>
         </p:blipFill>
-        <p:spPr bwMode="auto">
-          <a:xfrm>
-            <a:off x="2592924" y="1550894"/>
-            <a:ext cx="8911687" cy="4733365"/>
+        <p:spPr>
+          <a:xfrm>
+            <a:off x="2592925" y="1299411"/>
+            <a:ext cx="9255773" cy="5399771"/>
           </a:xfrm>
           <a:prstGeom prst="rect">
             <a:avLst/>
           </a:prstGeom>
-          <a:noFill/>
-          <a:ln>
-            <a:noFill/>
-          </a:ln>
         </p:spPr>
       </p:pic>
     </p:spTree>
     <p:extLst>
       <p:ext uri="{BB962C8B-B14F-4D97-AF65-F5344CB8AC3E}">
-        <p14:creationId xmlns:p14="http://schemas.microsoft.com/office/powerpoint/2010/main" val="1229383918"/>
+        <p14:creationId xmlns:p14="http://schemas.microsoft.com/office/powerpoint/2010/main" val="4131419648"/>
       </p:ext>
     </p:extLst>
   </p:cSld>
   <p:clrMapOvr>
     <a:masterClrMapping/>
   </p:clrMapOvr>
+  <p:timing>
+    <p:tnLst>
+      <p:par>
+        <p:cTn id="1" dur="indefinite" restart="never" nodeType="tmRoot"/>
+      </p:par>
+    </p:tnLst>
+  </p:timing>
 </p:sld>
 </file>
 
@@ -9551,7 +10104,7 @@
         <p:spPr>
           <a:xfrm>
             <a:off x="2592925" y="624110"/>
-            <a:ext cx="8911687" cy="774384"/>
+            <a:ext cx="8911687" cy="925557"/>
           </a:xfrm>
         </p:spPr>
         <p:txBody>
@@ -9560,7 +10113,7 @@
           <a:p>
             <a:r>
               <a:rPr lang="en-US" dirty="0" smtClean="0"/>
-              <a:t>EM Clusters for Townhouses</a:t>
+              <a:t>Bedroom Vs Bathrooms</a:t>
             </a:r>
             <a:endParaRPr lang="en-US" dirty="0"/>
           </a:p>
@@ -9568,51 +10121,47 @@
       </p:sp>
       <p:pic>
         <p:nvPicPr>
-          <p:cNvPr id="5" name="Content Placeholder 4" descr="C:\Users\Saad\Desktop\Re%3a_Update_on_Housing_Results (1)\Clusters for Town houses.PNG"/>
+          <p:cNvPr id="4" name="Content Placeholder 3"/>
           <p:cNvPicPr>
-            <a:picLocks noGrp="1"/>
+            <a:picLocks noGrp="1" noChangeAspect="1"/>
           </p:cNvPicPr>
           <p:nvPr>
             <p:ph idx="1"/>
           </p:nvPr>
         </p:nvPicPr>
         <p:blipFill>
-          <a:blip r:embed="rId2" cstate="print">
-            <a:extLst>
-              <a:ext uri="{28A0092B-C50C-407E-A947-70E740481C1C}">
-                <a14:useLocalDpi xmlns:a14="http://schemas.microsoft.com/office/drawing/2010/main" val="0"/>
-              </a:ext>
-            </a:extLst>
-          </a:blip>
-          <a:srcRect/>
+          <a:blip r:embed="rId2"/>
           <a:stretch>
             <a:fillRect/>
           </a:stretch>
         </p:blipFill>
-        <p:spPr bwMode="auto">
-          <a:xfrm>
-            <a:off x="2662518" y="1398494"/>
-            <a:ext cx="8390964" cy="4903693"/>
+        <p:spPr>
+          <a:xfrm>
+            <a:off x="2512194" y="1809549"/>
+            <a:ext cx="8992418" cy="4600876"/>
           </a:xfrm>
           <a:prstGeom prst="rect">
             <a:avLst/>
           </a:prstGeom>
-          <a:noFill/>
-          <a:ln>
-            <a:noFill/>
-          </a:ln>
         </p:spPr>
       </p:pic>
     </p:spTree>
     <p:extLst>
       <p:ext uri="{BB962C8B-B14F-4D97-AF65-F5344CB8AC3E}">
-        <p14:creationId xmlns:p14="http://schemas.microsoft.com/office/powerpoint/2010/main" val="203386195"/>
+        <p14:creationId xmlns:p14="http://schemas.microsoft.com/office/powerpoint/2010/main" val="1885360244"/>
       </p:ext>
     </p:extLst>
   </p:cSld>
   <p:clrMapOvr>
     <a:masterClrMapping/>
   </p:clrMapOvr>
+  <p:timing>
+    <p:tnLst>
+      <p:par>
+        <p:cTn id="1" dur="indefinite" restart="never" nodeType="tmRoot"/>
+      </p:par>
+    </p:tnLst>
+  </p:timing>
 </p:sld>
 </file>
 
@@ -9643,29 +10192,26 @@
             <p:ph type="title"/>
           </p:nvPr>
         </p:nvSpPr>
-        <p:spPr>
-          <a:xfrm>
-            <a:off x="2592925" y="624110"/>
-            <a:ext cx="8911687" cy="684737"/>
-          </a:xfrm>
-        </p:spPr>
-        <p:txBody>
-          <a:bodyPr/>
-          <a:lstStyle/>
-          <a:p>
-            <a:r>
-              <a:rPr lang="en-US" dirty="0" smtClean="0"/>
-              <a:t>EM Clusters for Houses</a:t>
-            </a:r>
-            <a:endParaRPr lang="en-US" dirty="0"/>
+        <p:spPr/>
+        <p:txBody>
+          <a:bodyPr>
+            <a:normAutofit/>
+          </a:bodyPr>
+          <a:lstStyle/>
+          <a:p>
+            <a:r>
+              <a:rPr lang="en-US" sz="3200" dirty="0" smtClean="0"/>
+              <a:t>House Type Vs Rent</a:t>
+            </a:r>
+            <a:endParaRPr lang="en-US" sz="3200" dirty="0"/>
           </a:p>
         </p:txBody>
       </p:sp>
       <p:pic>
         <p:nvPicPr>
-          <p:cNvPr id="4" name="Content Placeholder 3"/>
+          <p:cNvPr id="5" name="Content Placeholder 4"/>
           <p:cNvPicPr>
-            <a:picLocks noGrp="1"/>
+            <a:picLocks noGrp="1" noChangeAspect="1"/>
           </p:cNvPicPr>
           <p:nvPr>
             <p:ph idx="1"/>
@@ -9679,8 +10225,8 @@
         </p:blipFill>
         <p:spPr>
           <a:xfrm>
-            <a:off x="2653348" y="1389063"/>
-            <a:ext cx="8787129" cy="5002772"/>
+            <a:off x="2592925" y="1407459"/>
+            <a:ext cx="8911687" cy="5029199"/>
           </a:xfrm>
           <a:prstGeom prst="rect">
             <a:avLst/>
@@ -9690,13 +10236,20 @@
     </p:spTree>
     <p:extLst>
       <p:ext uri="{BB962C8B-B14F-4D97-AF65-F5344CB8AC3E}">
-        <p14:creationId xmlns:p14="http://schemas.microsoft.com/office/powerpoint/2010/main" val="774130195"/>
+        <p14:creationId xmlns:p14="http://schemas.microsoft.com/office/powerpoint/2010/main" val="1612301595"/>
       </p:ext>
     </p:extLst>
   </p:cSld>
   <p:clrMapOvr>
     <a:masterClrMapping/>
   </p:clrMapOvr>
+  <p:timing>
+    <p:tnLst>
+      <p:par>
+        <p:cTn id="1" dur="indefinite" restart="never" nodeType="tmRoot"/>
+      </p:par>
+    </p:tnLst>
+  </p:timing>
 </p:sld>
 </file>
 
@@ -9727,19 +10280,14 @@
             <p:ph type="title"/>
           </p:nvPr>
         </p:nvSpPr>
-        <p:spPr>
-          <a:xfrm>
-            <a:off x="2592925" y="624110"/>
-            <a:ext cx="8911687" cy="765419"/>
-          </a:xfrm>
-        </p:spPr>
+        <p:spPr/>
         <p:txBody>
           <a:bodyPr/>
           <a:lstStyle/>
           <a:p>
             <a:r>
               <a:rPr lang="en-US" dirty="0" smtClean="0"/>
-              <a:t>K-Mean Clusters for Houses</a:t>
+              <a:t>Rent Estimates With Null Values</a:t>
             </a:r>
             <a:endParaRPr lang="en-US" dirty="0"/>
           </a:p>
@@ -9747,51 +10295,47 @@
       </p:sp>
       <p:pic>
         <p:nvPicPr>
-          <p:cNvPr id="4" name="Content Placeholder 3" descr="C:\Users\Saad\Desktop\Re%3a_Update_on_Housing_Results (1)\Clusters for Houses.PNG"/>
+          <p:cNvPr id="4" name="Content Placeholder 3"/>
           <p:cNvPicPr>
-            <a:picLocks noGrp="1"/>
+            <a:picLocks noGrp="1" noChangeAspect="1"/>
           </p:cNvPicPr>
           <p:nvPr>
             <p:ph idx="1"/>
           </p:nvPr>
         </p:nvPicPr>
         <p:blipFill>
-          <a:blip r:embed="rId2" cstate="print">
-            <a:extLst>
-              <a:ext uri="{28A0092B-C50C-407E-A947-70E740481C1C}">
-                <a14:useLocalDpi xmlns:a14="http://schemas.microsoft.com/office/drawing/2010/main" val="0"/>
-              </a:ext>
-            </a:extLst>
-          </a:blip>
-          <a:srcRect/>
+          <a:blip r:embed="rId2"/>
           <a:stretch>
             <a:fillRect/>
           </a:stretch>
         </p:blipFill>
-        <p:spPr bwMode="auto">
-          <a:xfrm>
-            <a:off x="2592926" y="1389529"/>
-            <a:ext cx="8911686" cy="4831977"/>
+        <p:spPr>
+          <a:xfrm>
+            <a:off x="2589212" y="2027651"/>
+            <a:ext cx="8915400" cy="2710907"/>
           </a:xfrm>
           <a:prstGeom prst="rect">
             <a:avLst/>
           </a:prstGeom>
-          <a:noFill/>
-          <a:ln>
-            <a:noFill/>
-          </a:ln>
         </p:spPr>
       </p:pic>
     </p:spTree>
     <p:extLst>
       <p:ext uri="{BB962C8B-B14F-4D97-AF65-F5344CB8AC3E}">
-        <p14:creationId xmlns:p14="http://schemas.microsoft.com/office/powerpoint/2010/main" val="2753413080"/>
+        <p14:creationId xmlns:p14="http://schemas.microsoft.com/office/powerpoint/2010/main" val="249773404"/>
       </p:ext>
     </p:extLst>
   </p:cSld>
   <p:clrMapOvr>
     <a:masterClrMapping/>
   </p:clrMapOvr>
+  <p:timing>
+    <p:tnLst>
+      <p:par>
+        <p:cTn id="1" dur="indefinite" restart="never" nodeType="tmRoot"/>
+      </p:par>
+    </p:tnLst>
+  </p:timing>
 </p:sld>
 </file>
 
@@ -9806,34 +10350,34 @@
         <a:sysClr val="window" lastClr="FFFFFF"/>
       </a:lt1>
       <a:dk2>
-        <a:srgbClr val="766F54"/>
+        <a:srgbClr val="647252"/>
       </a:dk2>
       <a:lt2>
-        <a:srgbClr val="E3EACF"/>
+        <a:srgbClr val="EAE8CF"/>
       </a:lt2>
       <a:accent1>
-        <a:srgbClr val="A53010"/>
+        <a:srgbClr val="E78712"/>
       </a:accent1>
       <a:accent2>
-        <a:srgbClr val="DE7E18"/>
+        <a:srgbClr val="B73C26"/>
       </a:accent2>
       <a:accent3>
-        <a:srgbClr val="9F8351"/>
+        <a:srgbClr val="865331"/>
       </a:accent3>
       <a:accent4>
-        <a:srgbClr val="728653"/>
+        <a:srgbClr val="B38648"/>
       </a:accent4>
       <a:accent5>
-        <a:srgbClr val="92AA4C"/>
+        <a:srgbClr val="BBB473"/>
       </a:accent5>
       <a:accent6>
-        <a:srgbClr val="6AAC91"/>
+        <a:srgbClr val="849276"/>
       </a:accent6>
       <a:hlink>
-        <a:srgbClr val="FB4A18"/>
+        <a:srgbClr val="FDAB2A"/>
       </a:hlink>
       <a:folHlink>
-        <a:srgbClr val="FB9318"/>
+        <a:srgbClr val="CCB182"/>
       </a:folHlink>
     </a:clrScheme>
     <a:fontScheme name="Wisp">
@@ -10032,7 +10576,7 @@
   <a:extraClrSchemeLst/>
   <a:extLst>
     <a:ext uri="{05A4C25C-085E-4340-85A3-A5531E510DB2}">
-      <thm15:themeFamily xmlns:thm15="http://schemas.microsoft.com/office/thememl/2012/main" name="Wisp" id="{7CB32D59-10C0-40DD-B7BD-2E94284A981C}" vid="{24B1A44C-C006-48B2-A4D7-E5549B3D8CD4}"/>
+      <thm15:themeFamily xmlns:thm15="http://schemas.microsoft.com/office/thememl/2012/main" name="Wisp" id="{7CB32D59-10C0-40DD-B7BD-2E94284A981C}" vid="{54F6613E-5ED7-40ED-90A8-F639BE712C0E}"/>
     </a:ext>
   </a:extLst>
 </a:theme>
